--- a/LinuxVirtualMachines/LinuxVirtualMachines.pptx
+++ b/LinuxVirtualMachines/LinuxVirtualMachines.pptx
@@ -139,48 +139,7 @@
       </a:defRPr>
     </a:lvl9pPr>
   </p:defaultTextStyle>
-  <p:extLst>
-    <p:ext uri="{521415D9-36F7-43E2-AB2F-B90AF26B5E84}">
-      <p14:sectionLst xmlns:p14="http://schemas.microsoft.com/office/powerpoint/2010/main">
-        <p14:section name="Template Slides" id="{7E09F034-18B2-4BB5-ADB1-A5CE6B56C0AF}">
-          <p14:sldIdLst>
-            <p14:sldId id="364"/>
-            <p14:sldId id="362"/>
-            <p14:sldId id="366"/>
-            <p14:sldId id="372"/>
-            <p14:sldId id="373"/>
-            <p14:sldId id="414"/>
-            <p14:sldId id="374"/>
-            <p14:sldId id="375"/>
-            <p14:sldId id="376"/>
-            <p14:sldId id="378"/>
-            <p14:sldId id="379"/>
-            <p14:sldId id="380"/>
-            <p14:sldId id="383"/>
-            <p14:sldId id="384"/>
-            <p14:sldId id="385"/>
-            <p14:sldId id="415"/>
-            <p14:sldId id="398"/>
-            <p14:sldId id="399"/>
-            <p14:sldId id="401"/>
-            <p14:sldId id="402"/>
-            <p14:sldId id="411"/>
-            <p14:sldId id="422"/>
-            <p14:sldId id="416"/>
-            <p14:sldId id="417"/>
-            <p14:sldId id="418"/>
-            <p14:sldId id="419"/>
-            <p14:sldId id="420"/>
-            <p14:sldId id="421"/>
-            <p14:sldId id="360"/>
-          </p14:sldIdLst>
-        </p14:section>
-        <p14:section name="Alternate Special Slides" id="{CC1C93FC-3AF4-4174-A466-9F0B15EB09A1}">
-          <p14:sldIdLst/>
-        </p14:section>
-      </p14:sectionLst>
-    </p:ext>
-  </p:extLst>
+  <p:extLst/>
 </p:presentation>
 </file>
 
@@ -271,7 +230,7 @@
                 <a:latin typeface="Segoe UI" pitchFamily="34" charset="0"/>
               </a:rPr>
               <a:pPr/>
-              <a:t>6/2/2012</a:t>
+              <a:t>6/16/2012</a:t>
             </a:fld>
             <a:endParaRPr lang="en-US" dirty="0">
               <a:latin typeface="Segoe UI" pitchFamily="34" charset="0"/>
@@ -484,7 +443,7 @@
             <a:fld id="{7C3FBCD4-166E-446F-AF18-7D4A0CF9AEF6}" type="datetimeFigureOut">
               <a:rPr lang="en-US" smtClean="0"/>
               <a:pPr/>
-              <a:t>6/2/2012</a:t>
+              <a:t>6/16/2012</a:t>
             </a:fld>
             <a:endParaRPr lang="en-US" dirty="0"/>
           </a:p>
@@ -877,6 +836,2311 @@
           <a:bodyPr/>
           <a:lstStyle/>
           <a:p>
+            <a:endParaRPr lang="en-US"/>
+          </a:p>
+        </p:txBody>
+      </p:sp>
+      <p:sp>
+        <p:nvSpPr>
+          <p:cNvPr id="4" name="Slide Number Placeholder 3"/>
+          <p:cNvSpPr>
+            <a:spLocks noGrp="1"/>
+          </p:cNvSpPr>
+          <p:nvPr>
+            <p:ph type="sldNum" sz="quarter" idx="10"/>
+          </p:nvPr>
+        </p:nvSpPr>
+        <p:spPr/>
+        <p:txBody>
+          <a:bodyPr/>
+          <a:lstStyle/>
+          <a:p>
+            <a:fld id="{8B263312-38AA-4E1E-B2B5-0F8F122B24FE}" type="slidenum">
+              <a:rPr lang="en-US" smtClean="0"/>
+              <a:pPr/>
+              <a:t>1</a:t>
+            </a:fld>
+            <a:endParaRPr lang="en-US" dirty="0"/>
+          </a:p>
+        </p:txBody>
+      </p:sp>
+    </p:spTree>
+    <p:extLst>
+      <p:ext uri="{BB962C8B-B14F-4D97-AF65-F5344CB8AC3E}">
+        <p14:creationId xmlns:p14="http://schemas.microsoft.com/office/powerpoint/2010/main" val="835839333"/>
+      </p:ext>
+    </p:extLst>
+  </p:cSld>
+  <p:clrMapOvr>
+    <a:masterClrMapping/>
+  </p:clrMapOvr>
+</p:notes>
+</file>
+
+<file path=ppt/notesSlides/notesSlide10.xml><?xml version="1.0" encoding="utf-8"?>
+<p:notes xmlns:a="http://schemas.openxmlformats.org/drawingml/2006/main" xmlns:r="http://schemas.openxmlformats.org/officeDocument/2006/relationships" xmlns:p="http://schemas.openxmlformats.org/presentationml/2006/main">
+  <p:cSld>
+    <p:spTree>
+      <p:nvGrpSpPr>
+        <p:cNvPr id="1" name=""/>
+        <p:cNvGrpSpPr/>
+        <p:nvPr/>
+      </p:nvGrpSpPr>
+      <p:grpSpPr>
+        <a:xfrm>
+          <a:off x="0" y="0"/>
+          <a:ext cx="0" cy="0"/>
+          <a:chOff x="0" y="0"/>
+          <a:chExt cx="0" cy="0"/>
+        </a:xfrm>
+      </p:grpSpPr>
+      <p:sp>
+        <p:nvSpPr>
+          <p:cNvPr id="2" name="Slide Image Placeholder 1"/>
+          <p:cNvSpPr>
+            <a:spLocks noGrp="1" noRot="1" noChangeAspect="1"/>
+          </p:cNvSpPr>
+          <p:nvPr>
+            <p:ph type="sldImg"/>
+          </p:nvPr>
+        </p:nvSpPr>
+        <p:spPr/>
+      </p:sp>
+      <p:sp>
+        <p:nvSpPr>
+          <p:cNvPr id="3" name="Notes Placeholder 2"/>
+          <p:cNvSpPr>
+            <a:spLocks noGrp="1"/>
+          </p:cNvSpPr>
+          <p:nvPr>
+            <p:ph type="body" idx="1"/>
+          </p:nvPr>
+        </p:nvSpPr>
+        <p:spPr/>
+        <p:txBody>
+          <a:bodyPr/>
+          <a:lstStyle/>
+          <a:p>
+            <a:endParaRPr lang="en-US"/>
+          </a:p>
+        </p:txBody>
+      </p:sp>
+      <p:sp>
+        <p:nvSpPr>
+          <p:cNvPr id="4" name="Slide Number Placeholder 3"/>
+          <p:cNvSpPr>
+            <a:spLocks noGrp="1"/>
+          </p:cNvSpPr>
+          <p:nvPr>
+            <p:ph type="sldNum" sz="quarter" idx="10"/>
+          </p:nvPr>
+        </p:nvSpPr>
+        <p:spPr/>
+        <p:txBody>
+          <a:bodyPr/>
+          <a:lstStyle/>
+          <a:p>
+            <a:fld id="{8B263312-38AA-4E1E-B2B5-0F8F122B24FE}" type="slidenum">
+              <a:rPr lang="en-US" smtClean="0"/>
+              <a:pPr/>
+              <a:t>10</a:t>
+            </a:fld>
+            <a:endParaRPr lang="en-US" dirty="0"/>
+          </a:p>
+        </p:txBody>
+      </p:sp>
+    </p:spTree>
+    <p:extLst>
+      <p:ext uri="{BB962C8B-B14F-4D97-AF65-F5344CB8AC3E}">
+        <p14:creationId xmlns:p14="http://schemas.microsoft.com/office/powerpoint/2010/main" val="3850101048"/>
+      </p:ext>
+    </p:extLst>
+  </p:cSld>
+  <p:clrMapOvr>
+    <a:masterClrMapping/>
+  </p:clrMapOvr>
+</p:notes>
+</file>
+
+<file path=ppt/notesSlides/notesSlide11.xml><?xml version="1.0" encoding="utf-8"?>
+<p:notes xmlns:a="http://schemas.openxmlformats.org/drawingml/2006/main" xmlns:r="http://schemas.openxmlformats.org/officeDocument/2006/relationships" xmlns:p="http://schemas.openxmlformats.org/presentationml/2006/main">
+  <p:cSld>
+    <p:spTree>
+      <p:nvGrpSpPr>
+        <p:cNvPr id="1" name=""/>
+        <p:cNvGrpSpPr/>
+        <p:nvPr/>
+      </p:nvGrpSpPr>
+      <p:grpSpPr>
+        <a:xfrm>
+          <a:off x="0" y="0"/>
+          <a:ext cx="0" cy="0"/>
+          <a:chOff x="0" y="0"/>
+          <a:chExt cx="0" cy="0"/>
+        </a:xfrm>
+      </p:grpSpPr>
+      <p:sp>
+        <p:nvSpPr>
+          <p:cNvPr id="2" name="Slide Image Placeholder 1"/>
+          <p:cNvSpPr>
+            <a:spLocks noGrp="1" noRot="1" noChangeAspect="1"/>
+          </p:cNvSpPr>
+          <p:nvPr>
+            <p:ph type="sldImg"/>
+          </p:nvPr>
+        </p:nvSpPr>
+        <p:spPr/>
+      </p:sp>
+      <p:sp>
+        <p:nvSpPr>
+          <p:cNvPr id="3" name="Notes Placeholder 2"/>
+          <p:cNvSpPr>
+            <a:spLocks noGrp="1"/>
+          </p:cNvSpPr>
+          <p:nvPr>
+            <p:ph type="body" idx="1"/>
+          </p:nvPr>
+        </p:nvSpPr>
+        <p:spPr/>
+        <p:txBody>
+          <a:bodyPr/>
+          <a:lstStyle/>
+          <a:p>
+            <a:endParaRPr lang="en-US"/>
+          </a:p>
+        </p:txBody>
+      </p:sp>
+      <p:sp>
+        <p:nvSpPr>
+          <p:cNvPr id="4" name="Slide Number Placeholder 3"/>
+          <p:cNvSpPr>
+            <a:spLocks noGrp="1"/>
+          </p:cNvSpPr>
+          <p:nvPr>
+            <p:ph type="sldNum" sz="quarter" idx="10"/>
+          </p:nvPr>
+        </p:nvSpPr>
+        <p:spPr/>
+        <p:txBody>
+          <a:bodyPr/>
+          <a:lstStyle/>
+          <a:p>
+            <a:fld id="{8B263312-38AA-4E1E-B2B5-0F8F122B24FE}" type="slidenum">
+              <a:rPr lang="en-US" smtClean="0"/>
+              <a:pPr/>
+              <a:t>11</a:t>
+            </a:fld>
+            <a:endParaRPr lang="en-US" dirty="0"/>
+          </a:p>
+        </p:txBody>
+      </p:sp>
+    </p:spTree>
+    <p:extLst>
+      <p:ext uri="{BB962C8B-B14F-4D97-AF65-F5344CB8AC3E}">
+        <p14:creationId xmlns:p14="http://schemas.microsoft.com/office/powerpoint/2010/main" val="307750525"/>
+      </p:ext>
+    </p:extLst>
+  </p:cSld>
+  <p:clrMapOvr>
+    <a:masterClrMapping/>
+  </p:clrMapOvr>
+</p:notes>
+</file>
+
+<file path=ppt/notesSlides/notesSlide12.xml><?xml version="1.0" encoding="utf-8"?>
+<p:notes xmlns:a="http://schemas.openxmlformats.org/drawingml/2006/main" xmlns:r="http://schemas.openxmlformats.org/officeDocument/2006/relationships" xmlns:p="http://schemas.openxmlformats.org/presentationml/2006/main">
+  <p:cSld>
+    <p:spTree>
+      <p:nvGrpSpPr>
+        <p:cNvPr id="1" name=""/>
+        <p:cNvGrpSpPr/>
+        <p:nvPr/>
+      </p:nvGrpSpPr>
+      <p:grpSpPr>
+        <a:xfrm>
+          <a:off x="0" y="0"/>
+          <a:ext cx="0" cy="0"/>
+          <a:chOff x="0" y="0"/>
+          <a:chExt cx="0" cy="0"/>
+        </a:xfrm>
+      </p:grpSpPr>
+      <p:sp>
+        <p:nvSpPr>
+          <p:cNvPr id="2" name="Slide Image Placeholder 1"/>
+          <p:cNvSpPr>
+            <a:spLocks noGrp="1" noRot="1" noChangeAspect="1"/>
+          </p:cNvSpPr>
+          <p:nvPr>
+            <p:ph type="sldImg"/>
+          </p:nvPr>
+        </p:nvSpPr>
+        <p:spPr/>
+      </p:sp>
+      <p:sp>
+        <p:nvSpPr>
+          <p:cNvPr id="3" name="Notes Placeholder 2"/>
+          <p:cNvSpPr>
+            <a:spLocks noGrp="1"/>
+          </p:cNvSpPr>
+          <p:nvPr>
+            <p:ph type="body" idx="1"/>
+          </p:nvPr>
+        </p:nvSpPr>
+        <p:spPr/>
+        <p:txBody>
+          <a:bodyPr/>
+          <a:lstStyle/>
+          <a:p>
+            <a:endParaRPr lang="en-US"/>
+          </a:p>
+        </p:txBody>
+      </p:sp>
+      <p:sp>
+        <p:nvSpPr>
+          <p:cNvPr id="4" name="Slide Number Placeholder 3"/>
+          <p:cNvSpPr>
+            <a:spLocks noGrp="1"/>
+          </p:cNvSpPr>
+          <p:nvPr>
+            <p:ph type="sldNum" sz="quarter" idx="10"/>
+          </p:nvPr>
+        </p:nvSpPr>
+        <p:spPr/>
+        <p:txBody>
+          <a:bodyPr/>
+          <a:lstStyle/>
+          <a:p>
+            <a:fld id="{8B263312-38AA-4E1E-B2B5-0F8F122B24FE}" type="slidenum">
+              <a:rPr lang="en-US" smtClean="0"/>
+              <a:pPr/>
+              <a:t>12</a:t>
+            </a:fld>
+            <a:endParaRPr lang="en-US" dirty="0"/>
+          </a:p>
+        </p:txBody>
+      </p:sp>
+    </p:spTree>
+    <p:extLst>
+      <p:ext uri="{BB962C8B-B14F-4D97-AF65-F5344CB8AC3E}">
+        <p14:creationId xmlns:p14="http://schemas.microsoft.com/office/powerpoint/2010/main" val="1790793639"/>
+      </p:ext>
+    </p:extLst>
+  </p:cSld>
+  <p:clrMapOvr>
+    <a:masterClrMapping/>
+  </p:clrMapOvr>
+</p:notes>
+</file>
+
+<file path=ppt/notesSlides/notesSlide13.xml><?xml version="1.0" encoding="utf-8"?>
+<p:notes xmlns:a="http://schemas.openxmlformats.org/drawingml/2006/main" xmlns:r="http://schemas.openxmlformats.org/officeDocument/2006/relationships" xmlns:p="http://schemas.openxmlformats.org/presentationml/2006/main">
+  <p:cSld>
+    <p:spTree>
+      <p:nvGrpSpPr>
+        <p:cNvPr id="1" name=""/>
+        <p:cNvGrpSpPr/>
+        <p:nvPr/>
+      </p:nvGrpSpPr>
+      <p:grpSpPr>
+        <a:xfrm>
+          <a:off x="0" y="0"/>
+          <a:ext cx="0" cy="0"/>
+          <a:chOff x="0" y="0"/>
+          <a:chExt cx="0" cy="0"/>
+        </a:xfrm>
+      </p:grpSpPr>
+      <p:sp>
+        <p:nvSpPr>
+          <p:cNvPr id="2" name="Slide Image Placeholder 1"/>
+          <p:cNvSpPr>
+            <a:spLocks noGrp="1" noRot="1" noChangeAspect="1"/>
+          </p:cNvSpPr>
+          <p:nvPr>
+            <p:ph type="sldImg"/>
+          </p:nvPr>
+        </p:nvSpPr>
+        <p:spPr/>
+      </p:sp>
+      <p:sp>
+        <p:nvSpPr>
+          <p:cNvPr id="3" name="Notes Placeholder 2"/>
+          <p:cNvSpPr>
+            <a:spLocks noGrp="1"/>
+          </p:cNvSpPr>
+          <p:nvPr>
+            <p:ph type="body" idx="1"/>
+          </p:nvPr>
+        </p:nvSpPr>
+        <p:spPr/>
+        <p:txBody>
+          <a:bodyPr/>
+          <a:lstStyle/>
+          <a:p>
+            <a:endParaRPr lang="en-US"/>
+          </a:p>
+        </p:txBody>
+      </p:sp>
+      <p:sp>
+        <p:nvSpPr>
+          <p:cNvPr id="4" name="Slide Number Placeholder 3"/>
+          <p:cNvSpPr>
+            <a:spLocks noGrp="1"/>
+          </p:cNvSpPr>
+          <p:nvPr>
+            <p:ph type="sldNum" sz="quarter" idx="10"/>
+          </p:nvPr>
+        </p:nvSpPr>
+        <p:spPr/>
+        <p:txBody>
+          <a:bodyPr/>
+          <a:lstStyle/>
+          <a:p>
+            <a:fld id="{8B263312-38AA-4E1E-B2B5-0F8F122B24FE}" type="slidenum">
+              <a:rPr lang="en-US" smtClean="0"/>
+              <a:pPr/>
+              <a:t>13</a:t>
+            </a:fld>
+            <a:endParaRPr lang="en-US" dirty="0"/>
+          </a:p>
+        </p:txBody>
+      </p:sp>
+    </p:spTree>
+    <p:extLst>
+      <p:ext uri="{BB962C8B-B14F-4D97-AF65-F5344CB8AC3E}">
+        <p14:creationId xmlns:p14="http://schemas.microsoft.com/office/powerpoint/2010/main" val="3095269054"/>
+      </p:ext>
+    </p:extLst>
+  </p:cSld>
+  <p:clrMapOvr>
+    <a:masterClrMapping/>
+  </p:clrMapOvr>
+</p:notes>
+</file>
+
+<file path=ppt/notesSlides/notesSlide14.xml><?xml version="1.0" encoding="utf-8"?>
+<p:notes xmlns:a="http://schemas.openxmlformats.org/drawingml/2006/main" xmlns:r="http://schemas.openxmlformats.org/officeDocument/2006/relationships" xmlns:p="http://schemas.openxmlformats.org/presentationml/2006/main">
+  <p:cSld>
+    <p:spTree>
+      <p:nvGrpSpPr>
+        <p:cNvPr id="1" name=""/>
+        <p:cNvGrpSpPr/>
+        <p:nvPr/>
+      </p:nvGrpSpPr>
+      <p:grpSpPr>
+        <a:xfrm>
+          <a:off x="0" y="0"/>
+          <a:ext cx="0" cy="0"/>
+          <a:chOff x="0" y="0"/>
+          <a:chExt cx="0" cy="0"/>
+        </a:xfrm>
+      </p:grpSpPr>
+      <p:sp>
+        <p:nvSpPr>
+          <p:cNvPr id="2" name="Slide Image Placeholder 1"/>
+          <p:cNvSpPr>
+            <a:spLocks noGrp="1" noRot="1" noChangeAspect="1"/>
+          </p:cNvSpPr>
+          <p:nvPr>
+            <p:ph type="sldImg"/>
+          </p:nvPr>
+        </p:nvSpPr>
+        <p:spPr/>
+      </p:sp>
+      <p:sp>
+        <p:nvSpPr>
+          <p:cNvPr id="3" name="Notes Placeholder 2"/>
+          <p:cNvSpPr>
+            <a:spLocks noGrp="1"/>
+          </p:cNvSpPr>
+          <p:nvPr>
+            <p:ph type="body" idx="1"/>
+          </p:nvPr>
+        </p:nvSpPr>
+        <p:spPr/>
+        <p:txBody>
+          <a:bodyPr/>
+          <a:lstStyle/>
+          <a:p>
+            <a:endParaRPr lang="en-US"/>
+          </a:p>
+        </p:txBody>
+      </p:sp>
+      <p:sp>
+        <p:nvSpPr>
+          <p:cNvPr id="4" name="Slide Number Placeholder 3"/>
+          <p:cNvSpPr>
+            <a:spLocks noGrp="1"/>
+          </p:cNvSpPr>
+          <p:nvPr>
+            <p:ph type="sldNum" sz="quarter" idx="10"/>
+          </p:nvPr>
+        </p:nvSpPr>
+        <p:spPr/>
+        <p:txBody>
+          <a:bodyPr/>
+          <a:lstStyle/>
+          <a:p>
+            <a:fld id="{8B263312-38AA-4E1E-B2B5-0F8F122B24FE}" type="slidenum">
+              <a:rPr lang="en-US" smtClean="0"/>
+              <a:pPr/>
+              <a:t>14</a:t>
+            </a:fld>
+            <a:endParaRPr lang="en-US" dirty="0"/>
+          </a:p>
+        </p:txBody>
+      </p:sp>
+    </p:spTree>
+    <p:extLst>
+      <p:ext uri="{BB962C8B-B14F-4D97-AF65-F5344CB8AC3E}">
+        <p14:creationId xmlns:p14="http://schemas.microsoft.com/office/powerpoint/2010/main" val="612850673"/>
+      </p:ext>
+    </p:extLst>
+  </p:cSld>
+  <p:clrMapOvr>
+    <a:masterClrMapping/>
+  </p:clrMapOvr>
+</p:notes>
+</file>
+
+<file path=ppt/notesSlides/notesSlide15.xml><?xml version="1.0" encoding="utf-8"?>
+<p:notes xmlns:a="http://schemas.openxmlformats.org/drawingml/2006/main" xmlns:r="http://schemas.openxmlformats.org/officeDocument/2006/relationships" xmlns:p="http://schemas.openxmlformats.org/presentationml/2006/main">
+  <p:cSld>
+    <p:spTree>
+      <p:nvGrpSpPr>
+        <p:cNvPr id="1" name=""/>
+        <p:cNvGrpSpPr/>
+        <p:nvPr/>
+      </p:nvGrpSpPr>
+      <p:grpSpPr>
+        <a:xfrm>
+          <a:off x="0" y="0"/>
+          <a:ext cx="0" cy="0"/>
+          <a:chOff x="0" y="0"/>
+          <a:chExt cx="0" cy="0"/>
+        </a:xfrm>
+      </p:grpSpPr>
+      <p:sp>
+        <p:nvSpPr>
+          <p:cNvPr id="2" name="Slide Image Placeholder 1"/>
+          <p:cNvSpPr>
+            <a:spLocks noGrp="1" noRot="1" noChangeAspect="1"/>
+          </p:cNvSpPr>
+          <p:nvPr>
+            <p:ph type="sldImg"/>
+          </p:nvPr>
+        </p:nvSpPr>
+        <p:spPr/>
+      </p:sp>
+      <p:sp>
+        <p:nvSpPr>
+          <p:cNvPr id="3" name="Notes Placeholder 2"/>
+          <p:cNvSpPr>
+            <a:spLocks noGrp="1"/>
+          </p:cNvSpPr>
+          <p:nvPr>
+            <p:ph type="body" idx="1"/>
+          </p:nvPr>
+        </p:nvSpPr>
+        <p:spPr/>
+        <p:txBody>
+          <a:bodyPr/>
+          <a:lstStyle/>
+          <a:p>
+            <a:endParaRPr lang="en-US"/>
+          </a:p>
+        </p:txBody>
+      </p:sp>
+      <p:sp>
+        <p:nvSpPr>
+          <p:cNvPr id="4" name="Slide Number Placeholder 3"/>
+          <p:cNvSpPr>
+            <a:spLocks noGrp="1"/>
+          </p:cNvSpPr>
+          <p:nvPr>
+            <p:ph type="sldNum" sz="quarter" idx="10"/>
+          </p:nvPr>
+        </p:nvSpPr>
+        <p:spPr/>
+        <p:txBody>
+          <a:bodyPr/>
+          <a:lstStyle/>
+          <a:p>
+            <a:fld id="{8B263312-38AA-4E1E-B2B5-0F8F122B24FE}" type="slidenum">
+              <a:rPr lang="en-US" smtClean="0"/>
+              <a:pPr/>
+              <a:t>15</a:t>
+            </a:fld>
+            <a:endParaRPr lang="en-US" dirty="0"/>
+          </a:p>
+        </p:txBody>
+      </p:sp>
+    </p:spTree>
+    <p:extLst>
+      <p:ext uri="{BB962C8B-B14F-4D97-AF65-F5344CB8AC3E}">
+        <p14:creationId xmlns:p14="http://schemas.microsoft.com/office/powerpoint/2010/main" val="3985580242"/>
+      </p:ext>
+    </p:extLst>
+  </p:cSld>
+  <p:clrMapOvr>
+    <a:masterClrMapping/>
+  </p:clrMapOvr>
+</p:notes>
+</file>
+
+<file path=ppt/notesSlides/notesSlide16.xml><?xml version="1.0" encoding="utf-8"?>
+<p:notes xmlns:a="http://schemas.openxmlformats.org/drawingml/2006/main" xmlns:r="http://schemas.openxmlformats.org/officeDocument/2006/relationships" xmlns:p="http://schemas.openxmlformats.org/presentationml/2006/main">
+  <p:cSld>
+    <p:spTree>
+      <p:nvGrpSpPr>
+        <p:cNvPr id="1" name=""/>
+        <p:cNvGrpSpPr/>
+        <p:nvPr/>
+      </p:nvGrpSpPr>
+      <p:grpSpPr>
+        <a:xfrm>
+          <a:off x="0" y="0"/>
+          <a:ext cx="0" cy="0"/>
+          <a:chOff x="0" y="0"/>
+          <a:chExt cx="0" cy="0"/>
+        </a:xfrm>
+      </p:grpSpPr>
+      <p:sp>
+        <p:nvSpPr>
+          <p:cNvPr id="2" name="Slide Image Placeholder 1"/>
+          <p:cNvSpPr>
+            <a:spLocks noGrp="1" noRot="1" noChangeAspect="1"/>
+          </p:cNvSpPr>
+          <p:nvPr>
+            <p:ph type="sldImg"/>
+          </p:nvPr>
+        </p:nvSpPr>
+        <p:spPr>
+          <a:xfrm>
+            <a:off x="382588" y="685800"/>
+            <a:ext cx="6092825" cy="3429000"/>
+          </a:xfrm>
+        </p:spPr>
+      </p:sp>
+      <p:sp>
+        <p:nvSpPr>
+          <p:cNvPr id="3" name="Notes Placeholder 2"/>
+          <p:cNvSpPr>
+            <a:spLocks noGrp="1"/>
+          </p:cNvSpPr>
+          <p:nvPr>
+            <p:ph type="body" idx="1"/>
+          </p:nvPr>
+        </p:nvSpPr>
+        <p:spPr/>
+        <p:txBody>
+          <a:bodyPr>
+            <a:normAutofit/>
+          </a:bodyPr>
+          <a:lstStyle/>
+          <a:p>
+            <a:endParaRPr lang="en-US"/>
+          </a:p>
+        </p:txBody>
+      </p:sp>
+      <p:sp>
+        <p:nvSpPr>
+          <p:cNvPr id="7" name="Slide Number Placeholder 6"/>
+          <p:cNvSpPr>
+            <a:spLocks noGrp="1"/>
+          </p:cNvSpPr>
+          <p:nvPr>
+            <p:ph type="sldNum" sz="quarter" idx="13"/>
+          </p:nvPr>
+        </p:nvSpPr>
+        <p:spPr/>
+        <p:txBody>
+          <a:bodyPr/>
+          <a:lstStyle/>
+          <a:p>
+            <a:fld id="{EC87E0CF-87F6-4B58-B8B8-DCAB2DAAF3CA}" type="slidenum">
+              <a:rPr lang="en-US" smtClean="0">
+                <a:solidFill>
+                  <a:prstClr val="black"/>
+                </a:solidFill>
+              </a:rPr>
+              <a:pPr/>
+              <a:t>16</a:t>
+            </a:fld>
+            <a:endParaRPr lang="en-US" dirty="0">
+              <a:solidFill>
+                <a:prstClr val="black"/>
+              </a:solidFill>
+            </a:endParaRPr>
+          </a:p>
+        </p:txBody>
+      </p:sp>
+    </p:spTree>
+  </p:cSld>
+  <p:clrMapOvr>
+    <a:masterClrMapping/>
+  </p:clrMapOvr>
+</p:notes>
+</file>
+
+<file path=ppt/notesSlides/notesSlide17.xml><?xml version="1.0" encoding="utf-8"?>
+<p:notes xmlns:a="http://schemas.openxmlformats.org/drawingml/2006/main" xmlns:r="http://schemas.openxmlformats.org/officeDocument/2006/relationships" xmlns:p="http://schemas.openxmlformats.org/presentationml/2006/main">
+  <p:cSld>
+    <p:spTree>
+      <p:nvGrpSpPr>
+        <p:cNvPr id="1" name=""/>
+        <p:cNvGrpSpPr/>
+        <p:nvPr/>
+      </p:nvGrpSpPr>
+      <p:grpSpPr>
+        <a:xfrm>
+          <a:off x="0" y="0"/>
+          <a:ext cx="0" cy="0"/>
+          <a:chOff x="0" y="0"/>
+          <a:chExt cx="0" cy="0"/>
+        </a:xfrm>
+      </p:grpSpPr>
+      <p:sp>
+        <p:nvSpPr>
+          <p:cNvPr id="2" name="Slide Image Placeholder 1"/>
+          <p:cNvSpPr>
+            <a:spLocks noGrp="1" noRot="1" noChangeAspect="1"/>
+          </p:cNvSpPr>
+          <p:nvPr>
+            <p:ph type="sldImg"/>
+          </p:nvPr>
+        </p:nvSpPr>
+        <p:spPr/>
+      </p:sp>
+      <p:sp>
+        <p:nvSpPr>
+          <p:cNvPr id="3" name="Notes Placeholder 2"/>
+          <p:cNvSpPr>
+            <a:spLocks noGrp="1"/>
+          </p:cNvSpPr>
+          <p:nvPr>
+            <p:ph type="body" idx="1"/>
+          </p:nvPr>
+        </p:nvSpPr>
+        <p:spPr/>
+        <p:txBody>
+          <a:bodyPr/>
+          <a:lstStyle/>
+          <a:p>
+            <a:endParaRPr lang="en-US"/>
+          </a:p>
+        </p:txBody>
+      </p:sp>
+      <p:sp>
+        <p:nvSpPr>
+          <p:cNvPr id="4" name="Slide Number Placeholder 3"/>
+          <p:cNvSpPr>
+            <a:spLocks noGrp="1"/>
+          </p:cNvSpPr>
+          <p:nvPr>
+            <p:ph type="sldNum" sz="quarter" idx="10"/>
+          </p:nvPr>
+        </p:nvSpPr>
+        <p:spPr/>
+        <p:txBody>
+          <a:bodyPr/>
+          <a:lstStyle/>
+          <a:p>
+            <a:fld id="{8B263312-38AA-4E1E-B2B5-0F8F122B24FE}" type="slidenum">
+              <a:rPr lang="en-US" smtClean="0"/>
+              <a:pPr/>
+              <a:t>17</a:t>
+            </a:fld>
+            <a:endParaRPr lang="en-US" dirty="0"/>
+          </a:p>
+        </p:txBody>
+      </p:sp>
+    </p:spTree>
+    <p:extLst>
+      <p:ext uri="{BB962C8B-B14F-4D97-AF65-F5344CB8AC3E}">
+        <p14:creationId xmlns:p14="http://schemas.microsoft.com/office/powerpoint/2010/main" val="3258044987"/>
+      </p:ext>
+    </p:extLst>
+  </p:cSld>
+  <p:clrMapOvr>
+    <a:masterClrMapping/>
+  </p:clrMapOvr>
+</p:notes>
+</file>
+
+<file path=ppt/notesSlides/notesSlide18.xml><?xml version="1.0" encoding="utf-8"?>
+<p:notes xmlns:a="http://schemas.openxmlformats.org/drawingml/2006/main" xmlns:r="http://schemas.openxmlformats.org/officeDocument/2006/relationships" xmlns:p="http://schemas.openxmlformats.org/presentationml/2006/main">
+  <p:cSld>
+    <p:spTree>
+      <p:nvGrpSpPr>
+        <p:cNvPr id="1" name=""/>
+        <p:cNvGrpSpPr/>
+        <p:nvPr/>
+      </p:nvGrpSpPr>
+      <p:grpSpPr>
+        <a:xfrm>
+          <a:off x="0" y="0"/>
+          <a:ext cx="0" cy="0"/>
+          <a:chOff x="0" y="0"/>
+          <a:chExt cx="0" cy="0"/>
+        </a:xfrm>
+      </p:grpSpPr>
+      <p:sp>
+        <p:nvSpPr>
+          <p:cNvPr id="2" name="Slide Image Placeholder 1"/>
+          <p:cNvSpPr>
+            <a:spLocks noGrp="1" noRot="1" noChangeAspect="1"/>
+          </p:cNvSpPr>
+          <p:nvPr>
+            <p:ph type="sldImg"/>
+          </p:nvPr>
+        </p:nvSpPr>
+        <p:spPr/>
+      </p:sp>
+      <p:sp>
+        <p:nvSpPr>
+          <p:cNvPr id="3" name="Notes Placeholder 2"/>
+          <p:cNvSpPr>
+            <a:spLocks noGrp="1"/>
+          </p:cNvSpPr>
+          <p:nvPr>
+            <p:ph type="body" idx="1"/>
+          </p:nvPr>
+        </p:nvSpPr>
+        <p:spPr/>
+        <p:txBody>
+          <a:bodyPr/>
+          <a:lstStyle/>
+          <a:p>
+            <a:endParaRPr lang="en-US"/>
+          </a:p>
+        </p:txBody>
+      </p:sp>
+      <p:sp>
+        <p:nvSpPr>
+          <p:cNvPr id="4" name="Slide Number Placeholder 3"/>
+          <p:cNvSpPr>
+            <a:spLocks noGrp="1"/>
+          </p:cNvSpPr>
+          <p:nvPr>
+            <p:ph type="sldNum" sz="quarter" idx="10"/>
+          </p:nvPr>
+        </p:nvSpPr>
+        <p:spPr/>
+        <p:txBody>
+          <a:bodyPr/>
+          <a:lstStyle/>
+          <a:p>
+            <a:fld id="{8B263312-38AA-4E1E-B2B5-0F8F122B24FE}" type="slidenum">
+              <a:rPr lang="en-US" smtClean="0"/>
+              <a:pPr/>
+              <a:t>18</a:t>
+            </a:fld>
+            <a:endParaRPr lang="en-US" dirty="0"/>
+          </a:p>
+        </p:txBody>
+      </p:sp>
+    </p:spTree>
+    <p:extLst>
+      <p:ext uri="{BB962C8B-B14F-4D97-AF65-F5344CB8AC3E}">
+        <p14:creationId xmlns:p14="http://schemas.microsoft.com/office/powerpoint/2010/main" val="4078117312"/>
+      </p:ext>
+    </p:extLst>
+  </p:cSld>
+  <p:clrMapOvr>
+    <a:masterClrMapping/>
+  </p:clrMapOvr>
+</p:notes>
+</file>
+
+<file path=ppt/notesSlides/notesSlide19.xml><?xml version="1.0" encoding="utf-8"?>
+<p:notes xmlns:a="http://schemas.openxmlformats.org/drawingml/2006/main" xmlns:r="http://schemas.openxmlformats.org/officeDocument/2006/relationships" xmlns:p="http://schemas.openxmlformats.org/presentationml/2006/main">
+  <p:cSld>
+    <p:spTree>
+      <p:nvGrpSpPr>
+        <p:cNvPr id="1" name=""/>
+        <p:cNvGrpSpPr/>
+        <p:nvPr/>
+      </p:nvGrpSpPr>
+      <p:grpSpPr>
+        <a:xfrm>
+          <a:off x="0" y="0"/>
+          <a:ext cx="0" cy="0"/>
+          <a:chOff x="0" y="0"/>
+          <a:chExt cx="0" cy="0"/>
+        </a:xfrm>
+      </p:grpSpPr>
+      <p:sp>
+        <p:nvSpPr>
+          <p:cNvPr id="2" name="Slide Image Placeholder 1"/>
+          <p:cNvSpPr>
+            <a:spLocks noGrp="1" noRot="1" noChangeAspect="1"/>
+          </p:cNvSpPr>
+          <p:nvPr>
+            <p:ph type="sldImg"/>
+          </p:nvPr>
+        </p:nvSpPr>
+        <p:spPr/>
+      </p:sp>
+      <p:sp>
+        <p:nvSpPr>
+          <p:cNvPr id="3" name="Notes Placeholder 2"/>
+          <p:cNvSpPr>
+            <a:spLocks noGrp="1"/>
+          </p:cNvSpPr>
+          <p:nvPr>
+            <p:ph type="body" idx="1"/>
+          </p:nvPr>
+        </p:nvSpPr>
+        <p:spPr/>
+        <p:txBody>
+          <a:bodyPr/>
+          <a:lstStyle/>
+          <a:p>
+            <a:endParaRPr lang="en-US"/>
+          </a:p>
+        </p:txBody>
+      </p:sp>
+      <p:sp>
+        <p:nvSpPr>
+          <p:cNvPr id="4" name="Slide Number Placeholder 3"/>
+          <p:cNvSpPr>
+            <a:spLocks noGrp="1"/>
+          </p:cNvSpPr>
+          <p:nvPr>
+            <p:ph type="sldNum" sz="quarter" idx="10"/>
+          </p:nvPr>
+        </p:nvSpPr>
+        <p:spPr/>
+        <p:txBody>
+          <a:bodyPr/>
+          <a:lstStyle/>
+          <a:p>
+            <a:fld id="{8B263312-38AA-4E1E-B2B5-0F8F122B24FE}" type="slidenum">
+              <a:rPr lang="en-US" smtClean="0"/>
+              <a:pPr/>
+              <a:t>19</a:t>
+            </a:fld>
+            <a:endParaRPr lang="en-US" dirty="0"/>
+          </a:p>
+        </p:txBody>
+      </p:sp>
+    </p:spTree>
+    <p:extLst>
+      <p:ext uri="{BB962C8B-B14F-4D97-AF65-F5344CB8AC3E}">
+        <p14:creationId xmlns:p14="http://schemas.microsoft.com/office/powerpoint/2010/main" val="957747079"/>
+      </p:ext>
+    </p:extLst>
+  </p:cSld>
+  <p:clrMapOvr>
+    <a:masterClrMapping/>
+  </p:clrMapOvr>
+</p:notes>
+</file>
+
+<file path=ppt/notesSlides/notesSlide2.xml><?xml version="1.0" encoding="utf-8"?>
+<p:notes xmlns:a="http://schemas.openxmlformats.org/drawingml/2006/main" xmlns:r="http://schemas.openxmlformats.org/officeDocument/2006/relationships" xmlns:p="http://schemas.openxmlformats.org/presentationml/2006/main">
+  <p:cSld>
+    <p:spTree>
+      <p:nvGrpSpPr>
+        <p:cNvPr id="1" name=""/>
+        <p:cNvGrpSpPr/>
+        <p:nvPr/>
+      </p:nvGrpSpPr>
+      <p:grpSpPr>
+        <a:xfrm>
+          <a:off x="0" y="0"/>
+          <a:ext cx="0" cy="0"/>
+          <a:chOff x="0" y="0"/>
+          <a:chExt cx="0" cy="0"/>
+        </a:xfrm>
+      </p:grpSpPr>
+      <p:sp>
+        <p:nvSpPr>
+          <p:cNvPr id="2" name="Slide Image Placeholder 1"/>
+          <p:cNvSpPr>
+            <a:spLocks noGrp="1" noRot="1" noChangeAspect="1"/>
+          </p:cNvSpPr>
+          <p:nvPr>
+            <p:ph type="sldImg"/>
+          </p:nvPr>
+        </p:nvSpPr>
+        <p:spPr/>
+      </p:sp>
+      <p:sp>
+        <p:nvSpPr>
+          <p:cNvPr id="3" name="Notes Placeholder 2"/>
+          <p:cNvSpPr>
+            <a:spLocks noGrp="1"/>
+          </p:cNvSpPr>
+          <p:nvPr>
+            <p:ph type="body" idx="1"/>
+          </p:nvPr>
+        </p:nvSpPr>
+        <p:spPr/>
+        <p:txBody>
+          <a:bodyPr/>
+          <a:lstStyle/>
+          <a:p>
+            <a:endParaRPr lang="en-US"/>
+          </a:p>
+        </p:txBody>
+      </p:sp>
+      <p:sp>
+        <p:nvSpPr>
+          <p:cNvPr id="4" name="Slide Number Placeholder 3"/>
+          <p:cNvSpPr>
+            <a:spLocks noGrp="1"/>
+          </p:cNvSpPr>
+          <p:nvPr>
+            <p:ph type="sldNum" sz="quarter" idx="10"/>
+          </p:nvPr>
+        </p:nvSpPr>
+        <p:spPr/>
+        <p:txBody>
+          <a:bodyPr/>
+          <a:lstStyle/>
+          <a:p>
+            <a:fld id="{8B263312-38AA-4E1E-B2B5-0F8F122B24FE}" type="slidenum">
+              <a:rPr lang="en-US" smtClean="0"/>
+              <a:pPr/>
+              <a:t>2</a:t>
+            </a:fld>
+            <a:endParaRPr lang="en-US" dirty="0"/>
+          </a:p>
+        </p:txBody>
+      </p:sp>
+    </p:spTree>
+    <p:extLst>
+      <p:ext uri="{BB962C8B-B14F-4D97-AF65-F5344CB8AC3E}">
+        <p14:creationId xmlns:p14="http://schemas.microsoft.com/office/powerpoint/2010/main" val="682121685"/>
+      </p:ext>
+    </p:extLst>
+  </p:cSld>
+  <p:clrMapOvr>
+    <a:masterClrMapping/>
+  </p:clrMapOvr>
+</p:notes>
+</file>
+
+<file path=ppt/notesSlides/notesSlide20.xml><?xml version="1.0" encoding="utf-8"?>
+<p:notes xmlns:a="http://schemas.openxmlformats.org/drawingml/2006/main" xmlns:r="http://schemas.openxmlformats.org/officeDocument/2006/relationships" xmlns:p="http://schemas.openxmlformats.org/presentationml/2006/main">
+  <p:cSld>
+    <p:spTree>
+      <p:nvGrpSpPr>
+        <p:cNvPr id="1" name=""/>
+        <p:cNvGrpSpPr/>
+        <p:nvPr/>
+      </p:nvGrpSpPr>
+      <p:grpSpPr>
+        <a:xfrm>
+          <a:off x="0" y="0"/>
+          <a:ext cx="0" cy="0"/>
+          <a:chOff x="0" y="0"/>
+          <a:chExt cx="0" cy="0"/>
+        </a:xfrm>
+      </p:grpSpPr>
+      <p:sp>
+        <p:nvSpPr>
+          <p:cNvPr id="2" name="Slide Image Placeholder 1"/>
+          <p:cNvSpPr>
+            <a:spLocks noGrp="1" noRot="1" noChangeAspect="1"/>
+          </p:cNvSpPr>
+          <p:nvPr>
+            <p:ph type="sldImg"/>
+          </p:nvPr>
+        </p:nvSpPr>
+        <p:spPr/>
+      </p:sp>
+      <p:sp>
+        <p:nvSpPr>
+          <p:cNvPr id="3" name="Notes Placeholder 2"/>
+          <p:cNvSpPr>
+            <a:spLocks noGrp="1"/>
+          </p:cNvSpPr>
+          <p:nvPr>
+            <p:ph type="body" idx="1"/>
+          </p:nvPr>
+        </p:nvSpPr>
+        <p:spPr/>
+        <p:txBody>
+          <a:bodyPr/>
+          <a:lstStyle/>
+          <a:p>
+            <a:endParaRPr lang="en-US"/>
+          </a:p>
+        </p:txBody>
+      </p:sp>
+      <p:sp>
+        <p:nvSpPr>
+          <p:cNvPr id="4" name="Slide Number Placeholder 3"/>
+          <p:cNvSpPr>
+            <a:spLocks noGrp="1"/>
+          </p:cNvSpPr>
+          <p:nvPr>
+            <p:ph type="sldNum" sz="quarter" idx="10"/>
+          </p:nvPr>
+        </p:nvSpPr>
+        <p:spPr/>
+        <p:txBody>
+          <a:bodyPr/>
+          <a:lstStyle/>
+          <a:p>
+            <a:fld id="{8B263312-38AA-4E1E-B2B5-0F8F122B24FE}" type="slidenum">
+              <a:rPr lang="en-US" smtClean="0"/>
+              <a:pPr/>
+              <a:t>20</a:t>
+            </a:fld>
+            <a:endParaRPr lang="en-US" dirty="0"/>
+          </a:p>
+        </p:txBody>
+      </p:sp>
+    </p:spTree>
+    <p:extLst>
+      <p:ext uri="{BB962C8B-B14F-4D97-AF65-F5344CB8AC3E}">
+        <p14:creationId xmlns:p14="http://schemas.microsoft.com/office/powerpoint/2010/main" val="4258859067"/>
+      </p:ext>
+    </p:extLst>
+  </p:cSld>
+  <p:clrMapOvr>
+    <a:masterClrMapping/>
+  </p:clrMapOvr>
+</p:notes>
+</file>
+
+<file path=ppt/notesSlides/notesSlide21.xml><?xml version="1.0" encoding="utf-8"?>
+<p:notes xmlns:a="http://schemas.openxmlformats.org/drawingml/2006/main" xmlns:r="http://schemas.openxmlformats.org/officeDocument/2006/relationships" xmlns:p="http://schemas.openxmlformats.org/presentationml/2006/main">
+  <p:cSld>
+    <p:spTree>
+      <p:nvGrpSpPr>
+        <p:cNvPr id="1" name=""/>
+        <p:cNvGrpSpPr/>
+        <p:nvPr/>
+      </p:nvGrpSpPr>
+      <p:grpSpPr>
+        <a:xfrm>
+          <a:off x="0" y="0"/>
+          <a:ext cx="0" cy="0"/>
+          <a:chOff x="0" y="0"/>
+          <a:chExt cx="0" cy="0"/>
+        </a:xfrm>
+      </p:grpSpPr>
+      <p:sp>
+        <p:nvSpPr>
+          <p:cNvPr id="2" name="Slide Image Placeholder 1"/>
+          <p:cNvSpPr>
+            <a:spLocks noGrp="1" noRot="1" noChangeAspect="1"/>
+          </p:cNvSpPr>
+          <p:nvPr>
+            <p:ph type="sldImg"/>
+          </p:nvPr>
+        </p:nvSpPr>
+        <p:spPr/>
+      </p:sp>
+      <p:sp>
+        <p:nvSpPr>
+          <p:cNvPr id="3" name="Notes Placeholder 2"/>
+          <p:cNvSpPr>
+            <a:spLocks noGrp="1"/>
+          </p:cNvSpPr>
+          <p:nvPr>
+            <p:ph type="body" idx="1"/>
+          </p:nvPr>
+        </p:nvSpPr>
+        <p:spPr/>
+        <p:txBody>
+          <a:bodyPr/>
+          <a:lstStyle/>
+          <a:p>
+            <a:endParaRPr lang="en-US"/>
+          </a:p>
+        </p:txBody>
+      </p:sp>
+      <p:sp>
+        <p:nvSpPr>
+          <p:cNvPr id="4" name="Slide Number Placeholder 3"/>
+          <p:cNvSpPr>
+            <a:spLocks noGrp="1"/>
+          </p:cNvSpPr>
+          <p:nvPr>
+            <p:ph type="sldNum" sz="quarter" idx="10"/>
+          </p:nvPr>
+        </p:nvSpPr>
+        <p:spPr/>
+        <p:txBody>
+          <a:bodyPr/>
+          <a:lstStyle/>
+          <a:p>
+            <a:fld id="{8B263312-38AA-4E1E-B2B5-0F8F122B24FE}" type="slidenum">
+              <a:rPr lang="en-US" smtClean="0"/>
+              <a:pPr/>
+              <a:t>21</a:t>
+            </a:fld>
+            <a:endParaRPr lang="en-US" dirty="0"/>
+          </a:p>
+        </p:txBody>
+      </p:sp>
+    </p:spTree>
+    <p:extLst>
+      <p:ext uri="{BB962C8B-B14F-4D97-AF65-F5344CB8AC3E}">
+        <p14:creationId xmlns:p14="http://schemas.microsoft.com/office/powerpoint/2010/main" val="4143645244"/>
+      </p:ext>
+    </p:extLst>
+  </p:cSld>
+  <p:clrMapOvr>
+    <a:masterClrMapping/>
+  </p:clrMapOvr>
+</p:notes>
+</file>
+
+<file path=ppt/notesSlides/notesSlide22.xml><?xml version="1.0" encoding="utf-8"?>
+<p:notes xmlns:a="http://schemas.openxmlformats.org/drawingml/2006/main" xmlns:r="http://schemas.openxmlformats.org/officeDocument/2006/relationships" xmlns:p="http://schemas.openxmlformats.org/presentationml/2006/main">
+  <p:cSld>
+    <p:spTree>
+      <p:nvGrpSpPr>
+        <p:cNvPr id="1" name=""/>
+        <p:cNvGrpSpPr/>
+        <p:nvPr/>
+      </p:nvGrpSpPr>
+      <p:grpSpPr>
+        <a:xfrm>
+          <a:off x="0" y="0"/>
+          <a:ext cx="0" cy="0"/>
+          <a:chOff x="0" y="0"/>
+          <a:chExt cx="0" cy="0"/>
+        </a:xfrm>
+      </p:grpSpPr>
+      <p:sp>
+        <p:nvSpPr>
+          <p:cNvPr id="2" name="Slide Image Placeholder 1"/>
+          <p:cNvSpPr>
+            <a:spLocks noGrp="1" noRot="1" noChangeAspect="1"/>
+          </p:cNvSpPr>
+          <p:nvPr>
+            <p:ph type="sldImg"/>
+          </p:nvPr>
+        </p:nvSpPr>
+        <p:spPr/>
+      </p:sp>
+      <p:sp>
+        <p:nvSpPr>
+          <p:cNvPr id="3" name="Notes Placeholder 2"/>
+          <p:cNvSpPr>
+            <a:spLocks noGrp="1"/>
+          </p:cNvSpPr>
+          <p:nvPr>
+            <p:ph type="body" idx="1"/>
+          </p:nvPr>
+        </p:nvSpPr>
+        <p:spPr/>
+        <p:txBody>
+          <a:bodyPr/>
+          <a:lstStyle/>
+          <a:p>
+            <a:endParaRPr lang="en-US"/>
+          </a:p>
+        </p:txBody>
+      </p:sp>
+      <p:sp>
+        <p:nvSpPr>
+          <p:cNvPr id="4" name="Slide Number Placeholder 3"/>
+          <p:cNvSpPr>
+            <a:spLocks noGrp="1"/>
+          </p:cNvSpPr>
+          <p:nvPr>
+            <p:ph type="sldNum" sz="quarter" idx="10"/>
+          </p:nvPr>
+        </p:nvSpPr>
+        <p:spPr/>
+        <p:txBody>
+          <a:bodyPr/>
+          <a:lstStyle/>
+          <a:p>
+            <a:fld id="{8B263312-38AA-4E1E-B2B5-0F8F122B24FE}" type="slidenum">
+              <a:rPr lang="en-US" smtClean="0"/>
+              <a:pPr/>
+              <a:t>22</a:t>
+            </a:fld>
+            <a:endParaRPr lang="en-US" dirty="0"/>
+          </a:p>
+        </p:txBody>
+      </p:sp>
+    </p:spTree>
+    <p:extLst>
+      <p:ext uri="{BB962C8B-B14F-4D97-AF65-F5344CB8AC3E}">
+        <p14:creationId xmlns:p14="http://schemas.microsoft.com/office/powerpoint/2010/main" val="2982511831"/>
+      </p:ext>
+    </p:extLst>
+  </p:cSld>
+  <p:clrMapOvr>
+    <a:masterClrMapping/>
+  </p:clrMapOvr>
+</p:notes>
+</file>
+
+<file path=ppt/notesSlides/notesSlide23.xml><?xml version="1.0" encoding="utf-8"?>
+<p:notes xmlns:a="http://schemas.openxmlformats.org/drawingml/2006/main" xmlns:r="http://schemas.openxmlformats.org/officeDocument/2006/relationships" xmlns:p="http://schemas.openxmlformats.org/presentationml/2006/main">
+  <p:cSld>
+    <p:spTree>
+      <p:nvGrpSpPr>
+        <p:cNvPr id="1" name=""/>
+        <p:cNvGrpSpPr/>
+        <p:nvPr/>
+      </p:nvGrpSpPr>
+      <p:grpSpPr>
+        <a:xfrm>
+          <a:off x="0" y="0"/>
+          <a:ext cx="0" cy="0"/>
+          <a:chOff x="0" y="0"/>
+          <a:chExt cx="0" cy="0"/>
+        </a:xfrm>
+      </p:grpSpPr>
+      <p:sp>
+        <p:nvSpPr>
+          <p:cNvPr id="2" name="Slide Image Placeholder 1"/>
+          <p:cNvSpPr>
+            <a:spLocks noGrp="1" noRot="1" noChangeAspect="1"/>
+          </p:cNvSpPr>
+          <p:nvPr>
+            <p:ph type="sldImg"/>
+          </p:nvPr>
+        </p:nvSpPr>
+        <p:spPr/>
+      </p:sp>
+      <p:sp>
+        <p:nvSpPr>
+          <p:cNvPr id="3" name="Notes Placeholder 2"/>
+          <p:cNvSpPr>
+            <a:spLocks noGrp="1"/>
+          </p:cNvSpPr>
+          <p:nvPr>
+            <p:ph type="body" idx="1"/>
+          </p:nvPr>
+        </p:nvSpPr>
+        <p:spPr/>
+        <p:txBody>
+          <a:bodyPr/>
+          <a:lstStyle/>
+          <a:p>
+            <a:endParaRPr lang="en-US"/>
+          </a:p>
+        </p:txBody>
+      </p:sp>
+      <p:sp>
+        <p:nvSpPr>
+          <p:cNvPr id="4" name="Slide Number Placeholder 3"/>
+          <p:cNvSpPr>
+            <a:spLocks noGrp="1"/>
+          </p:cNvSpPr>
+          <p:nvPr>
+            <p:ph type="sldNum" sz="quarter" idx="10"/>
+          </p:nvPr>
+        </p:nvSpPr>
+        <p:spPr/>
+        <p:txBody>
+          <a:bodyPr/>
+          <a:lstStyle/>
+          <a:p>
+            <a:fld id="{8B263312-38AA-4E1E-B2B5-0F8F122B24FE}" type="slidenum">
+              <a:rPr lang="en-US" smtClean="0"/>
+              <a:pPr/>
+              <a:t>23</a:t>
+            </a:fld>
+            <a:endParaRPr lang="en-US" dirty="0"/>
+          </a:p>
+        </p:txBody>
+      </p:sp>
+    </p:spTree>
+    <p:extLst>
+      <p:ext uri="{BB962C8B-B14F-4D97-AF65-F5344CB8AC3E}">
+        <p14:creationId xmlns:p14="http://schemas.microsoft.com/office/powerpoint/2010/main" val="1276398638"/>
+      </p:ext>
+    </p:extLst>
+  </p:cSld>
+  <p:clrMapOvr>
+    <a:masterClrMapping/>
+  </p:clrMapOvr>
+</p:notes>
+</file>
+
+<file path=ppt/notesSlides/notesSlide24.xml><?xml version="1.0" encoding="utf-8"?>
+<p:notes xmlns:a="http://schemas.openxmlformats.org/drawingml/2006/main" xmlns:r="http://schemas.openxmlformats.org/officeDocument/2006/relationships" xmlns:p="http://schemas.openxmlformats.org/presentationml/2006/main">
+  <p:cSld>
+    <p:spTree>
+      <p:nvGrpSpPr>
+        <p:cNvPr id="1" name=""/>
+        <p:cNvGrpSpPr/>
+        <p:nvPr/>
+      </p:nvGrpSpPr>
+      <p:grpSpPr>
+        <a:xfrm>
+          <a:off x="0" y="0"/>
+          <a:ext cx="0" cy="0"/>
+          <a:chOff x="0" y="0"/>
+          <a:chExt cx="0" cy="0"/>
+        </a:xfrm>
+      </p:grpSpPr>
+      <p:sp>
+        <p:nvSpPr>
+          <p:cNvPr id="2" name="Slide Image Placeholder 1"/>
+          <p:cNvSpPr>
+            <a:spLocks noGrp="1" noRot="1" noChangeAspect="1"/>
+          </p:cNvSpPr>
+          <p:nvPr>
+            <p:ph type="sldImg"/>
+          </p:nvPr>
+        </p:nvSpPr>
+        <p:spPr/>
+      </p:sp>
+      <p:sp>
+        <p:nvSpPr>
+          <p:cNvPr id="3" name="Notes Placeholder 2"/>
+          <p:cNvSpPr>
+            <a:spLocks noGrp="1"/>
+          </p:cNvSpPr>
+          <p:nvPr>
+            <p:ph type="body" idx="1"/>
+          </p:nvPr>
+        </p:nvSpPr>
+        <p:spPr/>
+        <p:txBody>
+          <a:bodyPr/>
+          <a:lstStyle/>
+          <a:p>
+            <a:endParaRPr lang="en-US"/>
+          </a:p>
+        </p:txBody>
+      </p:sp>
+      <p:sp>
+        <p:nvSpPr>
+          <p:cNvPr id="4" name="Slide Number Placeholder 3"/>
+          <p:cNvSpPr>
+            <a:spLocks noGrp="1"/>
+          </p:cNvSpPr>
+          <p:nvPr>
+            <p:ph type="sldNum" sz="quarter" idx="10"/>
+          </p:nvPr>
+        </p:nvSpPr>
+        <p:spPr/>
+        <p:txBody>
+          <a:bodyPr/>
+          <a:lstStyle/>
+          <a:p>
+            <a:fld id="{8B263312-38AA-4E1E-B2B5-0F8F122B24FE}" type="slidenum">
+              <a:rPr lang="en-US" smtClean="0"/>
+              <a:pPr/>
+              <a:t>24</a:t>
+            </a:fld>
+            <a:endParaRPr lang="en-US" dirty="0"/>
+          </a:p>
+        </p:txBody>
+      </p:sp>
+    </p:spTree>
+    <p:extLst>
+      <p:ext uri="{BB962C8B-B14F-4D97-AF65-F5344CB8AC3E}">
+        <p14:creationId xmlns:p14="http://schemas.microsoft.com/office/powerpoint/2010/main" val="2462212512"/>
+      </p:ext>
+    </p:extLst>
+  </p:cSld>
+  <p:clrMapOvr>
+    <a:masterClrMapping/>
+  </p:clrMapOvr>
+</p:notes>
+</file>
+
+<file path=ppt/notesSlides/notesSlide25.xml><?xml version="1.0" encoding="utf-8"?>
+<p:notes xmlns:a="http://schemas.openxmlformats.org/drawingml/2006/main" xmlns:r="http://schemas.openxmlformats.org/officeDocument/2006/relationships" xmlns:p="http://schemas.openxmlformats.org/presentationml/2006/main">
+  <p:cSld>
+    <p:spTree>
+      <p:nvGrpSpPr>
+        <p:cNvPr id="1" name=""/>
+        <p:cNvGrpSpPr/>
+        <p:nvPr/>
+      </p:nvGrpSpPr>
+      <p:grpSpPr>
+        <a:xfrm>
+          <a:off x="0" y="0"/>
+          <a:ext cx="0" cy="0"/>
+          <a:chOff x="0" y="0"/>
+          <a:chExt cx="0" cy="0"/>
+        </a:xfrm>
+      </p:grpSpPr>
+      <p:sp>
+        <p:nvSpPr>
+          <p:cNvPr id="2" name="Slide Image Placeholder 1"/>
+          <p:cNvSpPr>
+            <a:spLocks noGrp="1" noRot="1" noChangeAspect="1"/>
+          </p:cNvSpPr>
+          <p:nvPr>
+            <p:ph type="sldImg"/>
+          </p:nvPr>
+        </p:nvSpPr>
+        <p:spPr/>
+      </p:sp>
+      <p:sp>
+        <p:nvSpPr>
+          <p:cNvPr id="3" name="Notes Placeholder 2"/>
+          <p:cNvSpPr>
+            <a:spLocks noGrp="1"/>
+          </p:cNvSpPr>
+          <p:nvPr>
+            <p:ph type="body" idx="1"/>
+          </p:nvPr>
+        </p:nvSpPr>
+        <p:spPr/>
+        <p:txBody>
+          <a:bodyPr/>
+          <a:lstStyle/>
+          <a:p>
+            <a:endParaRPr lang="en-US"/>
+          </a:p>
+        </p:txBody>
+      </p:sp>
+      <p:sp>
+        <p:nvSpPr>
+          <p:cNvPr id="4" name="Slide Number Placeholder 3"/>
+          <p:cNvSpPr>
+            <a:spLocks noGrp="1"/>
+          </p:cNvSpPr>
+          <p:nvPr>
+            <p:ph type="sldNum" sz="quarter" idx="10"/>
+          </p:nvPr>
+        </p:nvSpPr>
+        <p:spPr/>
+        <p:txBody>
+          <a:bodyPr/>
+          <a:lstStyle/>
+          <a:p>
+            <a:fld id="{8B263312-38AA-4E1E-B2B5-0F8F122B24FE}" type="slidenum">
+              <a:rPr lang="en-US" smtClean="0"/>
+              <a:pPr/>
+              <a:t>25</a:t>
+            </a:fld>
+            <a:endParaRPr lang="en-US" dirty="0"/>
+          </a:p>
+        </p:txBody>
+      </p:sp>
+    </p:spTree>
+    <p:extLst>
+      <p:ext uri="{BB962C8B-B14F-4D97-AF65-F5344CB8AC3E}">
+        <p14:creationId xmlns:p14="http://schemas.microsoft.com/office/powerpoint/2010/main" val="1809819237"/>
+      </p:ext>
+    </p:extLst>
+  </p:cSld>
+  <p:clrMapOvr>
+    <a:masterClrMapping/>
+  </p:clrMapOvr>
+</p:notes>
+</file>
+
+<file path=ppt/notesSlides/notesSlide26.xml><?xml version="1.0" encoding="utf-8"?>
+<p:notes xmlns:a="http://schemas.openxmlformats.org/drawingml/2006/main" xmlns:r="http://schemas.openxmlformats.org/officeDocument/2006/relationships" xmlns:p="http://schemas.openxmlformats.org/presentationml/2006/main">
+  <p:cSld>
+    <p:spTree>
+      <p:nvGrpSpPr>
+        <p:cNvPr id="1" name=""/>
+        <p:cNvGrpSpPr/>
+        <p:nvPr/>
+      </p:nvGrpSpPr>
+      <p:grpSpPr>
+        <a:xfrm>
+          <a:off x="0" y="0"/>
+          <a:ext cx="0" cy="0"/>
+          <a:chOff x="0" y="0"/>
+          <a:chExt cx="0" cy="0"/>
+        </a:xfrm>
+      </p:grpSpPr>
+      <p:sp>
+        <p:nvSpPr>
+          <p:cNvPr id="2" name="Slide Image Placeholder 1"/>
+          <p:cNvSpPr>
+            <a:spLocks noGrp="1" noRot="1" noChangeAspect="1"/>
+          </p:cNvSpPr>
+          <p:nvPr>
+            <p:ph type="sldImg"/>
+          </p:nvPr>
+        </p:nvSpPr>
+        <p:spPr/>
+      </p:sp>
+      <p:sp>
+        <p:nvSpPr>
+          <p:cNvPr id="3" name="Notes Placeholder 2"/>
+          <p:cNvSpPr>
+            <a:spLocks noGrp="1"/>
+          </p:cNvSpPr>
+          <p:nvPr>
+            <p:ph type="body" idx="1"/>
+          </p:nvPr>
+        </p:nvSpPr>
+        <p:spPr/>
+        <p:txBody>
+          <a:bodyPr/>
+          <a:lstStyle/>
+          <a:p>
+            <a:endParaRPr lang="en-US"/>
+          </a:p>
+        </p:txBody>
+      </p:sp>
+      <p:sp>
+        <p:nvSpPr>
+          <p:cNvPr id="4" name="Slide Number Placeholder 3"/>
+          <p:cNvSpPr>
+            <a:spLocks noGrp="1"/>
+          </p:cNvSpPr>
+          <p:nvPr>
+            <p:ph type="sldNum" sz="quarter" idx="10"/>
+          </p:nvPr>
+        </p:nvSpPr>
+        <p:spPr/>
+        <p:txBody>
+          <a:bodyPr/>
+          <a:lstStyle/>
+          <a:p>
+            <a:fld id="{8B263312-38AA-4E1E-B2B5-0F8F122B24FE}" type="slidenum">
+              <a:rPr lang="en-US" smtClean="0"/>
+              <a:pPr/>
+              <a:t>26</a:t>
+            </a:fld>
+            <a:endParaRPr lang="en-US" dirty="0"/>
+          </a:p>
+        </p:txBody>
+      </p:sp>
+    </p:spTree>
+    <p:extLst>
+      <p:ext uri="{BB962C8B-B14F-4D97-AF65-F5344CB8AC3E}">
+        <p14:creationId xmlns:p14="http://schemas.microsoft.com/office/powerpoint/2010/main" val="1956095026"/>
+      </p:ext>
+    </p:extLst>
+  </p:cSld>
+  <p:clrMapOvr>
+    <a:masterClrMapping/>
+  </p:clrMapOvr>
+</p:notes>
+</file>
+
+<file path=ppt/notesSlides/notesSlide27.xml><?xml version="1.0" encoding="utf-8"?>
+<p:notes xmlns:a="http://schemas.openxmlformats.org/drawingml/2006/main" xmlns:r="http://schemas.openxmlformats.org/officeDocument/2006/relationships" xmlns:p="http://schemas.openxmlformats.org/presentationml/2006/main">
+  <p:cSld>
+    <p:spTree>
+      <p:nvGrpSpPr>
+        <p:cNvPr id="1" name=""/>
+        <p:cNvGrpSpPr/>
+        <p:nvPr/>
+      </p:nvGrpSpPr>
+      <p:grpSpPr>
+        <a:xfrm>
+          <a:off x="0" y="0"/>
+          <a:ext cx="0" cy="0"/>
+          <a:chOff x="0" y="0"/>
+          <a:chExt cx="0" cy="0"/>
+        </a:xfrm>
+      </p:grpSpPr>
+      <p:sp>
+        <p:nvSpPr>
+          <p:cNvPr id="2" name="Slide Image Placeholder 1"/>
+          <p:cNvSpPr>
+            <a:spLocks noGrp="1" noRot="1" noChangeAspect="1"/>
+          </p:cNvSpPr>
+          <p:nvPr>
+            <p:ph type="sldImg"/>
+          </p:nvPr>
+        </p:nvSpPr>
+        <p:spPr/>
+      </p:sp>
+      <p:sp>
+        <p:nvSpPr>
+          <p:cNvPr id="3" name="Notes Placeholder 2"/>
+          <p:cNvSpPr>
+            <a:spLocks noGrp="1"/>
+          </p:cNvSpPr>
+          <p:nvPr>
+            <p:ph type="body" idx="1"/>
+          </p:nvPr>
+        </p:nvSpPr>
+        <p:spPr/>
+        <p:txBody>
+          <a:bodyPr/>
+          <a:lstStyle/>
+          <a:p>
+            <a:endParaRPr lang="en-US"/>
+          </a:p>
+        </p:txBody>
+      </p:sp>
+      <p:sp>
+        <p:nvSpPr>
+          <p:cNvPr id="4" name="Slide Number Placeholder 3"/>
+          <p:cNvSpPr>
+            <a:spLocks noGrp="1"/>
+          </p:cNvSpPr>
+          <p:nvPr>
+            <p:ph type="sldNum" sz="quarter" idx="10"/>
+          </p:nvPr>
+        </p:nvSpPr>
+        <p:spPr/>
+        <p:txBody>
+          <a:bodyPr/>
+          <a:lstStyle/>
+          <a:p>
+            <a:fld id="{8B263312-38AA-4E1E-B2B5-0F8F122B24FE}" type="slidenum">
+              <a:rPr lang="en-US" smtClean="0"/>
+              <a:pPr/>
+              <a:t>27</a:t>
+            </a:fld>
+            <a:endParaRPr lang="en-US" dirty="0"/>
+          </a:p>
+        </p:txBody>
+      </p:sp>
+    </p:spTree>
+    <p:extLst>
+      <p:ext uri="{BB962C8B-B14F-4D97-AF65-F5344CB8AC3E}">
+        <p14:creationId xmlns:p14="http://schemas.microsoft.com/office/powerpoint/2010/main" val="351391672"/>
+      </p:ext>
+    </p:extLst>
+  </p:cSld>
+  <p:clrMapOvr>
+    <a:masterClrMapping/>
+  </p:clrMapOvr>
+</p:notes>
+</file>
+
+<file path=ppt/notesSlides/notesSlide28.xml><?xml version="1.0" encoding="utf-8"?>
+<p:notes xmlns:a="http://schemas.openxmlformats.org/drawingml/2006/main" xmlns:r="http://schemas.openxmlformats.org/officeDocument/2006/relationships" xmlns:p="http://schemas.openxmlformats.org/presentationml/2006/main">
+  <p:cSld>
+    <p:spTree>
+      <p:nvGrpSpPr>
+        <p:cNvPr id="1" name=""/>
+        <p:cNvGrpSpPr/>
+        <p:nvPr/>
+      </p:nvGrpSpPr>
+      <p:grpSpPr>
+        <a:xfrm>
+          <a:off x="0" y="0"/>
+          <a:ext cx="0" cy="0"/>
+          <a:chOff x="0" y="0"/>
+          <a:chExt cx="0" cy="0"/>
+        </a:xfrm>
+      </p:grpSpPr>
+      <p:sp>
+        <p:nvSpPr>
+          <p:cNvPr id="2" name="Slide Image Placeholder 1"/>
+          <p:cNvSpPr>
+            <a:spLocks noGrp="1" noRot="1" noChangeAspect="1"/>
+          </p:cNvSpPr>
+          <p:nvPr>
+            <p:ph type="sldImg"/>
+          </p:nvPr>
+        </p:nvSpPr>
+        <p:spPr/>
+      </p:sp>
+      <p:sp>
+        <p:nvSpPr>
+          <p:cNvPr id="3" name="Notes Placeholder 2"/>
+          <p:cNvSpPr>
+            <a:spLocks noGrp="1"/>
+          </p:cNvSpPr>
+          <p:nvPr>
+            <p:ph type="body" idx="1"/>
+          </p:nvPr>
+        </p:nvSpPr>
+        <p:spPr/>
+        <p:txBody>
+          <a:bodyPr/>
+          <a:lstStyle/>
+          <a:p>
+            <a:endParaRPr lang="en-US"/>
+          </a:p>
+        </p:txBody>
+      </p:sp>
+      <p:sp>
+        <p:nvSpPr>
+          <p:cNvPr id="4" name="Slide Number Placeholder 3"/>
+          <p:cNvSpPr>
+            <a:spLocks noGrp="1"/>
+          </p:cNvSpPr>
+          <p:nvPr>
+            <p:ph type="sldNum" sz="quarter" idx="10"/>
+          </p:nvPr>
+        </p:nvSpPr>
+        <p:spPr/>
+        <p:txBody>
+          <a:bodyPr/>
+          <a:lstStyle/>
+          <a:p>
+            <a:fld id="{8B263312-38AA-4E1E-B2B5-0F8F122B24FE}" type="slidenum">
+              <a:rPr lang="en-US" smtClean="0"/>
+              <a:pPr/>
+              <a:t>28</a:t>
+            </a:fld>
+            <a:endParaRPr lang="en-US" dirty="0"/>
+          </a:p>
+        </p:txBody>
+      </p:sp>
+    </p:spTree>
+    <p:extLst>
+      <p:ext uri="{BB962C8B-B14F-4D97-AF65-F5344CB8AC3E}">
+        <p14:creationId xmlns:p14="http://schemas.microsoft.com/office/powerpoint/2010/main" val="2405303221"/>
+      </p:ext>
+    </p:extLst>
+  </p:cSld>
+  <p:clrMapOvr>
+    <a:masterClrMapping/>
+  </p:clrMapOvr>
+</p:notes>
+</file>
+
+<file path=ppt/notesSlides/notesSlide29.xml><?xml version="1.0" encoding="utf-8"?>
+<p:notes xmlns:a="http://schemas.openxmlformats.org/drawingml/2006/main" xmlns:r="http://schemas.openxmlformats.org/officeDocument/2006/relationships" xmlns:p="http://schemas.openxmlformats.org/presentationml/2006/main">
+  <p:cSld>
+    <p:spTree>
+      <p:nvGrpSpPr>
+        <p:cNvPr id="1" name=""/>
+        <p:cNvGrpSpPr/>
+        <p:nvPr/>
+      </p:nvGrpSpPr>
+      <p:grpSpPr>
+        <a:xfrm>
+          <a:off x="0" y="0"/>
+          <a:ext cx="0" cy="0"/>
+          <a:chOff x="0" y="0"/>
+          <a:chExt cx="0" cy="0"/>
+        </a:xfrm>
+      </p:grpSpPr>
+      <p:sp>
+        <p:nvSpPr>
+          <p:cNvPr id="2" name="Slide Image Placeholder 1"/>
+          <p:cNvSpPr>
+            <a:spLocks noGrp="1" noRot="1" noChangeAspect="1"/>
+          </p:cNvSpPr>
+          <p:nvPr>
+            <p:ph type="sldImg"/>
+          </p:nvPr>
+        </p:nvSpPr>
+        <p:spPr/>
+      </p:sp>
+      <p:sp>
+        <p:nvSpPr>
+          <p:cNvPr id="3" name="Notes Placeholder 2"/>
+          <p:cNvSpPr>
+            <a:spLocks noGrp="1"/>
+          </p:cNvSpPr>
+          <p:nvPr>
+            <p:ph type="body" idx="1"/>
+          </p:nvPr>
+        </p:nvSpPr>
+        <p:spPr/>
+        <p:txBody>
+          <a:bodyPr/>
+          <a:lstStyle/>
+          <a:p>
+            <a:endParaRPr lang="en-US"/>
+          </a:p>
+        </p:txBody>
+      </p:sp>
+      <p:sp>
+        <p:nvSpPr>
+          <p:cNvPr id="4" name="Slide Number Placeholder 3"/>
+          <p:cNvSpPr>
+            <a:spLocks noGrp="1"/>
+          </p:cNvSpPr>
+          <p:nvPr>
+            <p:ph type="sldNum" sz="quarter" idx="10"/>
+          </p:nvPr>
+        </p:nvSpPr>
+        <p:spPr/>
+        <p:txBody>
+          <a:bodyPr/>
+          <a:lstStyle/>
+          <a:p>
+            <a:fld id="{8B263312-38AA-4E1E-B2B5-0F8F122B24FE}" type="slidenum">
+              <a:rPr lang="en-US" smtClean="0"/>
+              <a:pPr/>
+              <a:t>29</a:t>
+            </a:fld>
+            <a:endParaRPr lang="en-US" dirty="0"/>
+          </a:p>
+        </p:txBody>
+      </p:sp>
+    </p:spTree>
+    <p:extLst>
+      <p:ext uri="{BB962C8B-B14F-4D97-AF65-F5344CB8AC3E}">
+        <p14:creationId xmlns:p14="http://schemas.microsoft.com/office/powerpoint/2010/main" val="3643511345"/>
+      </p:ext>
+    </p:extLst>
+  </p:cSld>
+  <p:clrMapOvr>
+    <a:masterClrMapping/>
+  </p:clrMapOvr>
+</p:notes>
+</file>
+
+<file path=ppt/notesSlides/notesSlide3.xml><?xml version="1.0" encoding="utf-8"?>
+<p:notes xmlns:a="http://schemas.openxmlformats.org/drawingml/2006/main" xmlns:r="http://schemas.openxmlformats.org/officeDocument/2006/relationships" xmlns:p="http://schemas.openxmlformats.org/presentationml/2006/main">
+  <p:cSld>
+    <p:spTree>
+      <p:nvGrpSpPr>
+        <p:cNvPr id="1" name=""/>
+        <p:cNvGrpSpPr/>
+        <p:nvPr/>
+      </p:nvGrpSpPr>
+      <p:grpSpPr>
+        <a:xfrm>
+          <a:off x="0" y="0"/>
+          <a:ext cx="0" cy="0"/>
+          <a:chOff x="0" y="0"/>
+          <a:chExt cx="0" cy="0"/>
+        </a:xfrm>
+      </p:grpSpPr>
+      <p:sp>
+        <p:nvSpPr>
+          <p:cNvPr id="2" name="Slide Image Placeholder 1"/>
+          <p:cNvSpPr>
+            <a:spLocks noGrp="1" noRot="1" noChangeAspect="1"/>
+          </p:cNvSpPr>
+          <p:nvPr>
+            <p:ph type="sldImg"/>
+          </p:nvPr>
+        </p:nvSpPr>
+        <p:spPr/>
+      </p:sp>
+      <p:sp>
+        <p:nvSpPr>
+          <p:cNvPr id="3" name="Notes Placeholder 2"/>
+          <p:cNvSpPr>
+            <a:spLocks noGrp="1"/>
+          </p:cNvSpPr>
+          <p:nvPr>
+            <p:ph type="body" idx="1"/>
+          </p:nvPr>
+        </p:nvSpPr>
+        <p:spPr/>
+        <p:txBody>
+          <a:bodyPr/>
+          <a:lstStyle/>
+          <a:p>
+            <a:endParaRPr lang="en-US"/>
+          </a:p>
+        </p:txBody>
+      </p:sp>
+      <p:sp>
+        <p:nvSpPr>
+          <p:cNvPr id="4" name="Slide Number Placeholder 3"/>
+          <p:cNvSpPr>
+            <a:spLocks noGrp="1"/>
+          </p:cNvSpPr>
+          <p:nvPr>
+            <p:ph type="sldNum" sz="quarter" idx="10"/>
+          </p:nvPr>
+        </p:nvSpPr>
+        <p:spPr/>
+        <p:txBody>
+          <a:bodyPr/>
+          <a:lstStyle/>
+          <a:p>
+            <a:fld id="{8B263312-38AA-4E1E-B2B5-0F8F122B24FE}" type="slidenum">
+              <a:rPr lang="en-US" smtClean="0"/>
+              <a:pPr/>
+              <a:t>3</a:t>
+            </a:fld>
+            <a:endParaRPr lang="en-US" dirty="0"/>
+          </a:p>
+        </p:txBody>
+      </p:sp>
+    </p:spTree>
+    <p:extLst>
+      <p:ext uri="{BB962C8B-B14F-4D97-AF65-F5344CB8AC3E}">
+        <p14:creationId xmlns:p14="http://schemas.microsoft.com/office/powerpoint/2010/main" val="2478526319"/>
+      </p:ext>
+    </p:extLst>
+  </p:cSld>
+  <p:clrMapOvr>
+    <a:masterClrMapping/>
+  </p:clrMapOvr>
+</p:notes>
+</file>
+
+<file path=ppt/notesSlides/notesSlide4.xml><?xml version="1.0" encoding="utf-8"?>
+<p:notes xmlns:a="http://schemas.openxmlformats.org/drawingml/2006/main" xmlns:r="http://schemas.openxmlformats.org/officeDocument/2006/relationships" xmlns:p="http://schemas.openxmlformats.org/presentationml/2006/main">
+  <p:cSld>
+    <p:spTree>
+      <p:nvGrpSpPr>
+        <p:cNvPr id="1" name=""/>
+        <p:cNvGrpSpPr/>
+        <p:nvPr/>
+      </p:nvGrpSpPr>
+      <p:grpSpPr>
+        <a:xfrm>
+          <a:off x="0" y="0"/>
+          <a:ext cx="0" cy="0"/>
+          <a:chOff x="0" y="0"/>
+          <a:chExt cx="0" cy="0"/>
+        </a:xfrm>
+      </p:grpSpPr>
+      <p:sp>
+        <p:nvSpPr>
+          <p:cNvPr id="2" name="Slide Image Placeholder 1"/>
+          <p:cNvSpPr>
+            <a:spLocks noGrp="1" noRot="1" noChangeAspect="1"/>
+          </p:cNvSpPr>
+          <p:nvPr>
+            <p:ph type="sldImg"/>
+          </p:nvPr>
+        </p:nvSpPr>
+        <p:spPr/>
+      </p:sp>
+      <p:sp>
+        <p:nvSpPr>
+          <p:cNvPr id="3" name="Notes Placeholder 2"/>
+          <p:cNvSpPr>
+            <a:spLocks noGrp="1"/>
+          </p:cNvSpPr>
+          <p:nvPr>
+            <p:ph type="body" idx="1"/>
+          </p:nvPr>
+        </p:nvSpPr>
+        <p:spPr/>
+        <p:txBody>
+          <a:bodyPr/>
+          <a:lstStyle/>
+          <a:p>
+            <a:endParaRPr lang="en-US"/>
+          </a:p>
+        </p:txBody>
+      </p:sp>
+      <p:sp>
+        <p:nvSpPr>
+          <p:cNvPr id="4" name="Slide Number Placeholder 3"/>
+          <p:cNvSpPr>
+            <a:spLocks noGrp="1"/>
+          </p:cNvSpPr>
+          <p:nvPr>
+            <p:ph type="sldNum" sz="quarter" idx="10"/>
+          </p:nvPr>
+        </p:nvSpPr>
+        <p:spPr/>
+        <p:txBody>
+          <a:bodyPr/>
+          <a:lstStyle/>
+          <a:p>
+            <a:fld id="{8B263312-38AA-4E1E-B2B5-0F8F122B24FE}" type="slidenum">
+              <a:rPr lang="en-US" smtClean="0"/>
+              <a:pPr/>
+              <a:t>4</a:t>
+            </a:fld>
+            <a:endParaRPr lang="en-US" dirty="0"/>
+          </a:p>
+        </p:txBody>
+      </p:sp>
+    </p:spTree>
+    <p:extLst>
+      <p:ext uri="{BB962C8B-B14F-4D97-AF65-F5344CB8AC3E}">
+        <p14:creationId xmlns:p14="http://schemas.microsoft.com/office/powerpoint/2010/main" val="1214205074"/>
+      </p:ext>
+    </p:extLst>
+  </p:cSld>
+  <p:clrMapOvr>
+    <a:masterClrMapping/>
+  </p:clrMapOvr>
+</p:notes>
+</file>
+
+<file path=ppt/notesSlides/notesSlide5.xml><?xml version="1.0" encoding="utf-8"?>
+<p:notes xmlns:a="http://schemas.openxmlformats.org/drawingml/2006/main" xmlns:r="http://schemas.openxmlformats.org/officeDocument/2006/relationships" xmlns:p="http://schemas.openxmlformats.org/presentationml/2006/main">
+  <p:cSld>
+    <p:spTree>
+      <p:nvGrpSpPr>
+        <p:cNvPr id="1" name=""/>
+        <p:cNvGrpSpPr/>
+        <p:nvPr/>
+      </p:nvGrpSpPr>
+      <p:grpSpPr>
+        <a:xfrm>
+          <a:off x="0" y="0"/>
+          <a:ext cx="0" cy="0"/>
+          <a:chOff x="0" y="0"/>
+          <a:chExt cx="0" cy="0"/>
+        </a:xfrm>
+      </p:grpSpPr>
+      <p:sp>
+        <p:nvSpPr>
+          <p:cNvPr id="2" name="Slide Image Placeholder 1"/>
+          <p:cNvSpPr>
+            <a:spLocks noGrp="1" noRot="1" noChangeAspect="1"/>
+          </p:cNvSpPr>
+          <p:nvPr>
+            <p:ph type="sldImg"/>
+          </p:nvPr>
+        </p:nvSpPr>
+        <p:spPr/>
+      </p:sp>
+      <p:sp>
+        <p:nvSpPr>
+          <p:cNvPr id="3" name="Notes Placeholder 2"/>
+          <p:cNvSpPr>
+            <a:spLocks noGrp="1"/>
+          </p:cNvSpPr>
+          <p:nvPr>
+            <p:ph type="body" idx="1"/>
+          </p:nvPr>
+        </p:nvSpPr>
+        <p:spPr/>
+        <p:txBody>
+          <a:bodyPr/>
+          <a:lstStyle/>
+          <a:p>
+            <a:endParaRPr lang="en-US"/>
+          </a:p>
+        </p:txBody>
+      </p:sp>
+      <p:sp>
+        <p:nvSpPr>
+          <p:cNvPr id="4" name="Slide Number Placeholder 3"/>
+          <p:cNvSpPr>
+            <a:spLocks noGrp="1"/>
+          </p:cNvSpPr>
+          <p:nvPr>
+            <p:ph type="sldNum" sz="quarter" idx="10"/>
+          </p:nvPr>
+        </p:nvSpPr>
+        <p:spPr/>
+        <p:txBody>
+          <a:bodyPr/>
+          <a:lstStyle/>
+          <a:p>
+            <a:fld id="{8B263312-38AA-4E1E-B2B5-0F8F122B24FE}" type="slidenum">
+              <a:rPr lang="en-US" smtClean="0"/>
+              <a:pPr/>
+              <a:t>5</a:t>
+            </a:fld>
+            <a:endParaRPr lang="en-US" dirty="0"/>
+          </a:p>
+        </p:txBody>
+      </p:sp>
+    </p:spTree>
+    <p:extLst>
+      <p:ext uri="{BB962C8B-B14F-4D97-AF65-F5344CB8AC3E}">
+        <p14:creationId xmlns:p14="http://schemas.microsoft.com/office/powerpoint/2010/main" val="129336099"/>
+      </p:ext>
+    </p:extLst>
+  </p:cSld>
+  <p:clrMapOvr>
+    <a:masterClrMapping/>
+  </p:clrMapOvr>
+</p:notes>
+</file>
+
+<file path=ppt/notesSlides/notesSlide6.xml><?xml version="1.0" encoding="utf-8"?>
+<p:notes xmlns:a="http://schemas.openxmlformats.org/drawingml/2006/main" xmlns:r="http://schemas.openxmlformats.org/officeDocument/2006/relationships" xmlns:p="http://schemas.openxmlformats.org/presentationml/2006/main">
+  <p:cSld>
+    <p:spTree>
+      <p:nvGrpSpPr>
+        <p:cNvPr id="1" name=""/>
+        <p:cNvGrpSpPr/>
+        <p:nvPr/>
+      </p:nvGrpSpPr>
+      <p:grpSpPr>
+        <a:xfrm>
+          <a:off x="0" y="0"/>
+          <a:ext cx="0" cy="0"/>
+          <a:chOff x="0" y="0"/>
+          <a:chExt cx="0" cy="0"/>
+        </a:xfrm>
+      </p:grpSpPr>
+      <p:sp>
+        <p:nvSpPr>
+          <p:cNvPr id="2" name="Slide Image Placeholder 1"/>
+          <p:cNvSpPr>
+            <a:spLocks noGrp="1" noRot="1" noChangeAspect="1"/>
+          </p:cNvSpPr>
+          <p:nvPr>
+            <p:ph type="sldImg"/>
+          </p:nvPr>
+        </p:nvSpPr>
+        <p:spPr/>
+      </p:sp>
+      <p:sp>
+        <p:nvSpPr>
+          <p:cNvPr id="3" name="Notes Placeholder 2"/>
+          <p:cNvSpPr>
+            <a:spLocks noGrp="1"/>
+          </p:cNvSpPr>
+          <p:nvPr>
+            <p:ph type="body" idx="1"/>
+          </p:nvPr>
+        </p:nvSpPr>
+        <p:spPr/>
+        <p:txBody>
+          <a:bodyPr/>
+          <a:lstStyle/>
+          <a:p>
+            <a:endParaRPr lang="en-US"/>
+          </a:p>
+        </p:txBody>
+      </p:sp>
+      <p:sp>
+        <p:nvSpPr>
+          <p:cNvPr id="4" name="Slide Number Placeholder 3"/>
+          <p:cNvSpPr>
+            <a:spLocks noGrp="1"/>
+          </p:cNvSpPr>
+          <p:nvPr>
+            <p:ph type="sldNum" sz="quarter" idx="10"/>
+          </p:nvPr>
+        </p:nvSpPr>
+        <p:spPr/>
+        <p:txBody>
+          <a:bodyPr/>
+          <a:lstStyle/>
+          <a:p>
+            <a:fld id="{8B263312-38AA-4E1E-B2B5-0F8F122B24FE}" type="slidenum">
+              <a:rPr lang="en-US" smtClean="0"/>
+              <a:pPr/>
+              <a:t>6</a:t>
+            </a:fld>
+            <a:endParaRPr lang="en-US" dirty="0"/>
+          </a:p>
+        </p:txBody>
+      </p:sp>
+    </p:spTree>
+    <p:extLst>
+      <p:ext uri="{BB962C8B-B14F-4D97-AF65-F5344CB8AC3E}">
+        <p14:creationId xmlns:p14="http://schemas.microsoft.com/office/powerpoint/2010/main" val="4187887376"/>
+      </p:ext>
+    </p:extLst>
+  </p:cSld>
+  <p:clrMapOvr>
+    <a:masterClrMapping/>
+  </p:clrMapOvr>
+</p:notes>
+</file>
+
+<file path=ppt/notesSlides/notesSlide7.xml><?xml version="1.0" encoding="utf-8"?>
+<p:notes xmlns:a="http://schemas.openxmlformats.org/drawingml/2006/main" xmlns:r="http://schemas.openxmlformats.org/officeDocument/2006/relationships" xmlns:p="http://schemas.openxmlformats.org/presentationml/2006/main">
+  <p:cSld>
+    <p:spTree>
+      <p:nvGrpSpPr>
+        <p:cNvPr id="1" name=""/>
+        <p:cNvGrpSpPr/>
+        <p:nvPr/>
+      </p:nvGrpSpPr>
+      <p:grpSpPr>
+        <a:xfrm>
+          <a:off x="0" y="0"/>
+          <a:ext cx="0" cy="0"/>
+          <a:chOff x="0" y="0"/>
+          <a:chExt cx="0" cy="0"/>
+        </a:xfrm>
+      </p:grpSpPr>
+      <p:sp>
+        <p:nvSpPr>
+          <p:cNvPr id="2" name="Slide Image Placeholder 1"/>
+          <p:cNvSpPr>
+            <a:spLocks noGrp="1" noRot="1" noChangeAspect="1"/>
+          </p:cNvSpPr>
+          <p:nvPr>
+            <p:ph type="sldImg"/>
+          </p:nvPr>
+        </p:nvSpPr>
+        <p:spPr/>
+      </p:sp>
+      <p:sp>
+        <p:nvSpPr>
+          <p:cNvPr id="3" name="Notes Placeholder 2"/>
+          <p:cNvSpPr>
+            <a:spLocks noGrp="1"/>
+          </p:cNvSpPr>
+          <p:nvPr>
+            <p:ph type="body" idx="1"/>
+          </p:nvPr>
+        </p:nvSpPr>
+        <p:spPr/>
+        <p:txBody>
+          <a:bodyPr/>
+          <a:lstStyle/>
+          <a:p>
+            <a:endParaRPr lang="en-US"/>
+          </a:p>
+        </p:txBody>
+      </p:sp>
+      <p:sp>
+        <p:nvSpPr>
+          <p:cNvPr id="4" name="Slide Number Placeholder 3"/>
+          <p:cNvSpPr>
+            <a:spLocks noGrp="1"/>
+          </p:cNvSpPr>
+          <p:nvPr>
+            <p:ph type="sldNum" sz="quarter" idx="10"/>
+          </p:nvPr>
+        </p:nvSpPr>
+        <p:spPr/>
+        <p:txBody>
+          <a:bodyPr/>
+          <a:lstStyle/>
+          <a:p>
+            <a:fld id="{8B263312-38AA-4E1E-B2B5-0F8F122B24FE}" type="slidenum">
+              <a:rPr lang="en-US" smtClean="0"/>
+              <a:pPr/>
+              <a:t>7</a:t>
+            </a:fld>
+            <a:endParaRPr lang="en-US" dirty="0"/>
+          </a:p>
+        </p:txBody>
+      </p:sp>
+    </p:spTree>
+    <p:extLst>
+      <p:ext uri="{BB962C8B-B14F-4D97-AF65-F5344CB8AC3E}">
+        <p14:creationId xmlns:p14="http://schemas.microsoft.com/office/powerpoint/2010/main" val="2670965278"/>
+      </p:ext>
+    </p:extLst>
+  </p:cSld>
+  <p:clrMapOvr>
+    <a:masterClrMapping/>
+  </p:clrMapOvr>
+</p:notes>
+</file>
+
+<file path=ppt/notesSlides/notesSlide8.xml><?xml version="1.0" encoding="utf-8"?>
+<p:notes xmlns:a="http://schemas.openxmlformats.org/drawingml/2006/main" xmlns:r="http://schemas.openxmlformats.org/officeDocument/2006/relationships" xmlns:p="http://schemas.openxmlformats.org/presentationml/2006/main">
+  <p:cSld>
+    <p:spTree>
+      <p:nvGrpSpPr>
+        <p:cNvPr id="1" name=""/>
+        <p:cNvGrpSpPr/>
+        <p:nvPr/>
+      </p:nvGrpSpPr>
+      <p:grpSpPr>
+        <a:xfrm>
+          <a:off x="0" y="0"/>
+          <a:ext cx="0" cy="0"/>
+          <a:chOff x="0" y="0"/>
+          <a:chExt cx="0" cy="0"/>
+        </a:xfrm>
+      </p:grpSpPr>
+      <p:sp>
+        <p:nvSpPr>
+          <p:cNvPr id="2" name="Slide Image Placeholder 1"/>
+          <p:cNvSpPr>
+            <a:spLocks noGrp="1" noRot="1" noChangeAspect="1"/>
+          </p:cNvSpPr>
+          <p:nvPr>
+            <p:ph type="sldImg"/>
+          </p:nvPr>
+        </p:nvSpPr>
+        <p:spPr/>
+      </p:sp>
+      <p:sp>
+        <p:nvSpPr>
+          <p:cNvPr id="3" name="Notes Placeholder 2"/>
+          <p:cNvSpPr>
+            <a:spLocks noGrp="1"/>
+          </p:cNvSpPr>
+          <p:nvPr>
+            <p:ph type="body" idx="1"/>
+          </p:nvPr>
+        </p:nvSpPr>
+        <p:spPr/>
+        <p:txBody>
+          <a:bodyPr/>
+          <a:lstStyle/>
+          <a:p>
             <a:r>
               <a:rPr lang="en-US" dirty="0" smtClean="0"/>
               <a:t>Animate Failure would be cool.</a:t>
@@ -921,7 +3185,7 @@
 </p:notes>
 </file>
 
-<file path=ppt/notesSlides/notesSlide2.xml><?xml version="1.0" encoding="utf-8"?>
+<file path=ppt/notesSlides/notesSlide9.xml><?xml version="1.0" encoding="utf-8"?>
 <p:notes xmlns:a="http://schemas.openxmlformats.org/drawingml/2006/main" xmlns:r="http://schemas.openxmlformats.org/officeDocument/2006/relationships" xmlns:p="http://schemas.openxmlformats.org/presentationml/2006/main">
   <p:cSld>
     <p:spTree>
@@ -998,219 +3262,6 @@
         <p14:creationId xmlns:p14="http://schemas.microsoft.com/office/powerpoint/2010/main" val="3918866222"/>
       </p:ext>
     </p:extLst>
-  </p:cSld>
-  <p:clrMapOvr>
-    <a:masterClrMapping/>
-  </p:clrMapOvr>
-</p:notes>
-</file>
-
-<file path=ppt/notesSlides/notesSlide3.xml><?xml version="1.0" encoding="utf-8"?>
-<p:notes xmlns:a="http://schemas.openxmlformats.org/drawingml/2006/main" xmlns:r="http://schemas.openxmlformats.org/officeDocument/2006/relationships" xmlns:p="http://schemas.openxmlformats.org/presentationml/2006/main">
-  <p:cSld>
-    <p:spTree>
-      <p:nvGrpSpPr>
-        <p:cNvPr id="1" name=""/>
-        <p:cNvGrpSpPr/>
-        <p:nvPr/>
-      </p:nvGrpSpPr>
-      <p:grpSpPr>
-        <a:xfrm>
-          <a:off x="0" y="0"/>
-          <a:ext cx="0" cy="0"/>
-          <a:chOff x="0" y="0"/>
-          <a:chExt cx="0" cy="0"/>
-        </a:xfrm>
-      </p:grpSpPr>
-      <p:sp>
-        <p:nvSpPr>
-          <p:cNvPr id="2" name="Slide Image Placeholder 1"/>
-          <p:cNvSpPr>
-            <a:spLocks noGrp="1" noRot="1" noChangeAspect="1"/>
-          </p:cNvSpPr>
-          <p:nvPr>
-            <p:ph type="sldImg"/>
-          </p:nvPr>
-        </p:nvSpPr>
-        <p:spPr>
-          <a:xfrm>
-            <a:off x="382588" y="685800"/>
-            <a:ext cx="6092825" cy="3429000"/>
-          </a:xfrm>
-        </p:spPr>
-      </p:sp>
-      <p:sp>
-        <p:nvSpPr>
-          <p:cNvPr id="3" name="Notes Placeholder 2"/>
-          <p:cNvSpPr>
-            <a:spLocks noGrp="1"/>
-          </p:cNvSpPr>
-          <p:nvPr>
-            <p:ph type="body" idx="1"/>
-          </p:nvPr>
-        </p:nvSpPr>
-        <p:spPr/>
-        <p:txBody>
-          <a:bodyPr>
-            <a:normAutofit/>
-          </a:bodyPr>
-          <a:lstStyle/>
-          <a:p>
-            <a:endParaRPr lang="en-US"/>
-          </a:p>
-        </p:txBody>
-      </p:sp>
-      <p:sp>
-        <p:nvSpPr>
-          <p:cNvPr id="4" name="Header Placeholder 3"/>
-          <p:cNvSpPr>
-            <a:spLocks noGrp="1"/>
-          </p:cNvSpPr>
-          <p:nvPr>
-            <p:ph type="hdr" sz="quarter" idx="10"/>
-          </p:nvPr>
-        </p:nvSpPr>
-        <p:spPr/>
-        <p:txBody>
-          <a:bodyPr/>
-          <a:lstStyle/>
-          <a:p>
-            <a:endParaRPr lang="en-US" dirty="0">
-              <a:solidFill>
-                <a:prstClr val="black"/>
-              </a:solidFill>
-            </a:endParaRPr>
-          </a:p>
-        </p:txBody>
-      </p:sp>
-      <p:sp>
-        <p:nvSpPr>
-          <p:cNvPr id="5" name="Date Placeholder 4"/>
-          <p:cNvSpPr>
-            <a:spLocks noGrp="1"/>
-          </p:cNvSpPr>
-          <p:nvPr>
-            <p:ph type="dt" idx="11"/>
-          </p:nvPr>
-        </p:nvSpPr>
-        <p:spPr/>
-        <p:txBody>
-          <a:bodyPr/>
-          <a:lstStyle/>
-          <a:p>
-            <a:fld id="{81331B57-0BE5-4F82-AA58-76F53EFF3ADA}" type="datetime8">
-              <a:rPr lang="en-US" smtClean="0">
-                <a:solidFill>
-                  <a:prstClr val="black"/>
-                </a:solidFill>
-              </a:rPr>
-              <a:pPr/>
-              <a:t>6/2/2012 9:27 PM</a:t>
-            </a:fld>
-            <a:endParaRPr lang="en-US">
-              <a:solidFill>
-                <a:prstClr val="black"/>
-              </a:solidFill>
-            </a:endParaRPr>
-          </a:p>
-        </p:txBody>
-      </p:sp>
-      <p:sp>
-        <p:nvSpPr>
-          <p:cNvPr id="6" name="Footer Placeholder 5"/>
-          <p:cNvSpPr>
-            <a:spLocks noGrp="1"/>
-          </p:cNvSpPr>
-          <p:nvPr>
-            <p:ph type="ftr" sz="quarter" idx="12"/>
-          </p:nvPr>
-        </p:nvSpPr>
-        <p:spPr/>
-        <p:txBody>
-          <a:bodyPr/>
-          <a:lstStyle/>
-          <a:p>
-            <a:r>
-              <a:rPr lang="en-US" dirty="0" smtClean="0">
-                <a:solidFill>
-                  <a:srgbClr val="000000"/>
-                </a:solidFill>
-                <a:latin typeface="Segoe UI" pitchFamily="34" charset="0"/>
-              </a:rPr>
-              <a:t>© 2007 Microsoft Corporation. All rights reserved. Microsoft, Windows, Windows Vista and other product names are or may be registered trademarks and/or trademarks in the U.S. and/or other countries.</a:t>
-            </a:r>
-          </a:p>
-          <a:p>
-            <a:r>
-              <a:rPr lang="en-US" dirty="0" smtClean="0">
-                <a:solidFill>
-                  <a:srgbClr val="000000"/>
-                </a:solidFill>
-                <a:latin typeface="Segoe UI" pitchFamily="34" charset="0"/>
-              </a:rPr>
-              <a:t>The information herein is for informational purposes only and represents the current view of Microsoft Corporation as of the date of this presentation.  Because Microsoft must respond to changing market conditions, it should not be interpreted to be a commitment on the part of Microsoft, and Microsoft cannot guarantee the accuracy of any information provided after the date of this presentation.  </a:t>
-            </a:r>
-            <a:br>
-              <a:rPr lang="en-US" dirty="0" smtClean="0">
-                <a:solidFill>
-                  <a:srgbClr val="000000"/>
-                </a:solidFill>
-                <a:latin typeface="Segoe UI" pitchFamily="34" charset="0"/>
-              </a:rPr>
-            </a:br>
-            <a:r>
-              <a:rPr lang="en-US" dirty="0" smtClean="0">
-                <a:solidFill>
-                  <a:srgbClr val="000000"/>
-                </a:solidFill>
-                <a:latin typeface="Segoe UI" pitchFamily="34" charset="0"/>
-              </a:rPr>
-              <a:t>MICROSOFT MAKES NO WARRANTIES, EXPRESS, IMPLIED OR STATUTORY, AS TO THE INFORMATION IN THIS PRESENTATION.</a:t>
-            </a:r>
-          </a:p>
-          <a:p>
-            <a:endParaRPr lang="en-US" dirty="0">
-              <a:solidFill>
-                <a:prstClr val="black"/>
-              </a:solidFill>
-              <a:latin typeface="Segoe UI" pitchFamily="34" charset="0"/>
-            </a:endParaRPr>
-          </a:p>
-        </p:txBody>
-      </p:sp>
-      <p:sp>
-        <p:nvSpPr>
-          <p:cNvPr id="7" name="Slide Number Placeholder 6"/>
-          <p:cNvSpPr>
-            <a:spLocks noGrp="1"/>
-          </p:cNvSpPr>
-          <p:nvPr>
-            <p:ph type="sldNum" sz="quarter" idx="13"/>
-          </p:nvPr>
-        </p:nvSpPr>
-        <p:spPr/>
-        <p:txBody>
-          <a:bodyPr/>
-          <a:lstStyle/>
-          <a:p>
-            <a:fld id="{EC87E0CF-87F6-4B58-B8B8-DCAB2DAAF3CA}" type="slidenum">
-              <a:rPr lang="en-US" smtClean="0">
-                <a:solidFill>
-                  <a:prstClr val="black"/>
-                </a:solidFill>
-              </a:rPr>
-              <a:pPr/>
-              <a:t>16</a:t>
-            </a:fld>
-            <a:endParaRPr lang="en-US" dirty="0">
-              <a:solidFill>
-                <a:prstClr val="black"/>
-              </a:solidFill>
-            </a:endParaRPr>
-          </a:p>
-        </p:txBody>
-      </p:sp>
-    </p:spTree>
   </p:cSld>
   <p:clrMapOvr>
     <a:masterClrMapping/>
@@ -10894,9 +12945,10 @@
           </a:p>
           <a:p>
             <a:r>
-              <a:rPr lang="en-US" dirty="0"/>
-              <a:t>Microsoft Corporation</a:t>
+              <a:rPr lang="en-US" dirty="0" smtClean="0"/>
+              <a:t>Organization</a:t>
             </a:r>
+            <a:endParaRPr lang="en-US" dirty="0"/>
           </a:p>
         </p:txBody>
       </p:sp>
@@ -10978,7 +13030,7 @@
           <p:nvPr/>
         </p:nvPicPr>
         <p:blipFill>
-          <a:blip r:embed="rId2">
+          <a:blip r:embed="rId3">
             <a:extLst>
               <a:ext uri="{28A0092B-C50C-407E-A947-70E740481C1C}">
                 <a14:useLocalDpi xmlns:a14="http://schemas.microsoft.com/office/drawing/2010/main" val="0"/>
@@ -11335,7 +13387,7 @@
           <p:nvPr/>
         </p:nvPicPr>
         <p:blipFill>
-          <a:blip r:embed="rId3">
+          <a:blip r:embed="rId4">
             <a:extLst>
               <a:ext uri="{28A0092B-C50C-407E-A947-70E740481C1C}">
                 <a14:useLocalDpi xmlns:a14="http://schemas.microsoft.com/office/drawing/2010/main" val="0"/>
@@ -11375,7 +13427,7 @@
           <p:nvPr/>
         </p:nvPicPr>
         <p:blipFill>
-          <a:blip r:embed="rId3">
+          <a:blip r:embed="rId4">
             <a:extLst>
               <a:ext uri="{28A0092B-C50C-407E-A947-70E740481C1C}">
                 <a14:useLocalDpi xmlns:a14="http://schemas.microsoft.com/office/drawing/2010/main" val="0"/>
@@ -11415,7 +13467,7 @@
           <p:nvPr/>
         </p:nvPicPr>
         <p:blipFill>
-          <a:blip r:embed="rId3">
+          <a:blip r:embed="rId4">
             <a:extLst>
               <a:ext uri="{28A0092B-C50C-407E-A947-70E740481C1C}">
                 <a14:useLocalDpi xmlns:a14="http://schemas.microsoft.com/office/drawing/2010/main" val="0"/>
@@ -11455,7 +13507,7 @@
           <p:nvPr/>
         </p:nvPicPr>
         <p:blipFill rotWithShape="1">
-          <a:blip r:embed="rId4">
+          <a:blip r:embed="rId5">
             <a:grayscl/>
             <a:extLst>
               <a:ext uri="{28A0092B-C50C-407E-A947-70E740481C1C}">
@@ -11690,7 +13742,7 @@
             <a:avLst/>
           </a:prstGeom>
           <a:blipFill>
-            <a:blip r:embed="rId5"/>
+            <a:blip r:embed="rId6"/>
             <a:stretch>
               <a:fillRect/>
             </a:stretch>
@@ -11745,7 +13797,7 @@
             <a:avLst/>
           </a:prstGeom>
           <a:blipFill>
-            <a:blip r:embed="rId5"/>
+            <a:blip r:embed="rId6"/>
             <a:stretch>
               <a:fillRect/>
             </a:stretch>
@@ -12071,7 +14123,7 @@
           <p:nvPr/>
         </p:nvPicPr>
         <p:blipFill>
-          <a:blip r:embed="rId6">
+          <a:blip r:embed="rId7">
             <a:extLst>
               <a:ext uri="{28A0092B-C50C-407E-A947-70E740481C1C}">
                 <a14:useLocalDpi xmlns:a14="http://schemas.microsoft.com/office/drawing/2010/main" val="0"/>
@@ -12221,7 +14273,7 @@
           <p:nvPr/>
         </p:nvPicPr>
         <p:blipFill>
-          <a:blip r:embed="rId7">
+          <a:blip r:embed="rId8">
             <a:duotone>
               <a:prstClr val="black"/>
               <a:schemeClr val="tx2">
@@ -12232,7 +14284,7 @@
             <a:extLst>
               <a:ext uri="{BEBA8EAE-BF5A-486C-A8C5-ECC9F3942E4B}">
                 <a14:imgProps xmlns:a14="http://schemas.microsoft.com/office/drawing/2010/main">
-                  <a14:imgLayer r:embed="rId8">
+                  <a14:imgLayer r:embed="rId9">
                     <a14:imgEffect>
                       <a14:brightnessContrast bright="-40000" contrast="-40000"/>
                     </a14:imgEffect>
@@ -12277,7 +14329,7 @@
           <p:nvPr/>
         </p:nvPicPr>
         <p:blipFill>
-          <a:blip r:embed="rId7">
+          <a:blip r:embed="rId8">
             <a:duotone>
               <a:prstClr val="black"/>
               <a:schemeClr val="tx2">
@@ -12288,7 +14340,7 @@
             <a:extLst>
               <a:ext uri="{BEBA8EAE-BF5A-486C-A8C5-ECC9F3942E4B}">
                 <a14:imgProps xmlns:a14="http://schemas.microsoft.com/office/drawing/2010/main">
-                  <a14:imgLayer r:embed="rId8">
+                  <a14:imgLayer r:embed="rId9">
                     <a14:imgEffect>
                       <a14:brightnessContrast bright="-40000" contrast="-40000"/>
                     </a14:imgEffect>
@@ -12333,7 +14385,7 @@
           <p:nvPr/>
         </p:nvPicPr>
         <p:blipFill>
-          <a:blip r:embed="rId9">
+          <a:blip r:embed="rId10">
             <a:extLst>
               <a:ext uri="{28A0092B-C50C-407E-A947-70E740481C1C}">
                 <a14:useLocalDpi xmlns:a14="http://schemas.microsoft.com/office/drawing/2010/main" val="0"/>
@@ -12708,7 +14760,7 @@
           <p:nvPr/>
         </p:nvPicPr>
         <p:blipFill rotWithShape="1">
-          <a:blip r:embed="rId4">
+          <a:blip r:embed="rId5">
             <a:grayscl/>
             <a:extLst>
               <a:ext uri="{28A0092B-C50C-407E-A947-70E740481C1C}">
@@ -12748,7 +14800,7 @@
           <p:nvPr/>
         </p:nvPicPr>
         <p:blipFill rotWithShape="1">
-          <a:blip r:embed="rId4">
+          <a:blip r:embed="rId5">
             <a:grayscl/>
             <a:extLst>
               <a:ext uri="{28A0092B-C50C-407E-A947-70E740481C1C}">
@@ -12892,12 +14944,12 @@
           <p:nvPr/>
         </p:nvPicPr>
         <p:blipFill>
-          <a:blip r:embed="rId10" cstate="print">
+          <a:blip r:embed="rId11" cstate="print">
             <a:lum bright="70000" contrast="-70000"/>
             <a:extLst>
               <a:ext uri="{BEBA8EAE-BF5A-486C-A8C5-ECC9F3942E4B}">
                 <a14:imgProps xmlns:a14="http://schemas.microsoft.com/office/drawing/2010/main">
-                  <a14:imgLayer r:embed="rId11">
+                  <a14:imgLayer r:embed="rId12">
                     <a14:imgEffect>
                       <a14:brightnessContrast bright="-20000" contrast="-40000"/>
                     </a14:imgEffect>
@@ -12932,12 +14984,12 @@
           <p:nvPr/>
         </p:nvPicPr>
         <p:blipFill>
-          <a:blip r:embed="rId10" cstate="print">
+          <a:blip r:embed="rId11" cstate="print">
             <a:lum bright="70000" contrast="-70000"/>
             <a:extLst>
               <a:ext uri="{BEBA8EAE-BF5A-486C-A8C5-ECC9F3942E4B}">
                 <a14:imgProps xmlns:a14="http://schemas.microsoft.com/office/drawing/2010/main">
-                  <a14:imgLayer r:embed="rId11">
+                  <a14:imgLayer r:embed="rId12">
                     <a14:imgEffect>
                       <a14:brightnessContrast bright="-20000" contrast="-40000"/>
                     </a14:imgEffect>
@@ -12972,7 +15024,7 @@
           <p:nvPr/>
         </p:nvPicPr>
         <p:blipFill>
-          <a:blip r:embed="rId12">
+          <a:blip r:embed="rId13">
             <a:extLst>
               <a:ext uri="{28A0092B-C50C-407E-A947-70E740481C1C}">
                 <a14:useLocalDpi xmlns:a14="http://schemas.microsoft.com/office/drawing/2010/main" val="0"/>
@@ -16520,7 +18572,7 @@
           <p:nvPr/>
         </p:nvPicPr>
         <p:blipFill>
-          <a:blip r:embed="rId2">
+          <a:blip r:embed="rId3">
             <a:extLst>
               <a:ext uri="{28A0092B-C50C-407E-A947-70E740481C1C}">
                 <a14:useLocalDpi xmlns:a14="http://schemas.microsoft.com/office/drawing/2010/main" val="0"/>
@@ -16877,7 +18929,7 @@
           <p:nvPr/>
         </p:nvPicPr>
         <p:blipFill>
-          <a:blip r:embed="rId3">
+          <a:blip r:embed="rId4">
             <a:extLst>
               <a:ext uri="{28A0092B-C50C-407E-A947-70E740481C1C}">
                 <a14:useLocalDpi xmlns:a14="http://schemas.microsoft.com/office/drawing/2010/main" val="0"/>
@@ -16917,7 +18969,7 @@
           <p:nvPr/>
         </p:nvPicPr>
         <p:blipFill>
-          <a:blip r:embed="rId3">
+          <a:blip r:embed="rId4">
             <a:extLst>
               <a:ext uri="{28A0092B-C50C-407E-A947-70E740481C1C}">
                 <a14:useLocalDpi xmlns:a14="http://schemas.microsoft.com/office/drawing/2010/main" val="0"/>
@@ -16957,7 +19009,7 @@
           <p:nvPr/>
         </p:nvPicPr>
         <p:blipFill>
-          <a:blip r:embed="rId3">
+          <a:blip r:embed="rId4">
             <a:extLst>
               <a:ext uri="{28A0092B-C50C-407E-A947-70E740481C1C}">
                 <a14:useLocalDpi xmlns:a14="http://schemas.microsoft.com/office/drawing/2010/main" val="0"/>
@@ -16997,7 +19049,7 @@
           <p:nvPr/>
         </p:nvPicPr>
         <p:blipFill rotWithShape="1">
-          <a:blip r:embed="rId4">
+          <a:blip r:embed="rId5">
             <a:grayscl/>
             <a:extLst>
               <a:ext uri="{28A0092B-C50C-407E-A947-70E740481C1C}">
@@ -17232,7 +19284,7 @@
             <a:avLst/>
           </a:prstGeom>
           <a:blipFill>
-            <a:blip r:embed="rId5"/>
+            <a:blip r:embed="rId6"/>
             <a:stretch>
               <a:fillRect/>
             </a:stretch>
@@ -17287,7 +19339,7 @@
             <a:avLst/>
           </a:prstGeom>
           <a:blipFill>
-            <a:blip r:embed="rId5"/>
+            <a:blip r:embed="rId6"/>
             <a:stretch>
               <a:fillRect/>
             </a:stretch>
@@ -17613,7 +19665,7 @@
           <p:nvPr/>
         </p:nvPicPr>
         <p:blipFill>
-          <a:blip r:embed="rId6">
+          <a:blip r:embed="rId7">
             <a:extLst>
               <a:ext uri="{28A0092B-C50C-407E-A947-70E740481C1C}">
                 <a14:useLocalDpi xmlns:a14="http://schemas.microsoft.com/office/drawing/2010/main" val="0"/>
@@ -17763,7 +19815,7 @@
           <p:nvPr/>
         </p:nvPicPr>
         <p:blipFill>
-          <a:blip r:embed="rId7">
+          <a:blip r:embed="rId8">
             <a:duotone>
               <a:prstClr val="black"/>
               <a:schemeClr val="tx2">
@@ -17774,7 +19826,7 @@
             <a:extLst>
               <a:ext uri="{BEBA8EAE-BF5A-486C-A8C5-ECC9F3942E4B}">
                 <a14:imgProps xmlns:a14="http://schemas.microsoft.com/office/drawing/2010/main">
-                  <a14:imgLayer r:embed="rId8">
+                  <a14:imgLayer r:embed="rId9">
                     <a14:imgEffect>
                       <a14:brightnessContrast bright="-40000" contrast="-40000"/>
                     </a14:imgEffect>
@@ -17819,7 +19871,7 @@
           <p:nvPr/>
         </p:nvPicPr>
         <p:blipFill>
-          <a:blip r:embed="rId7">
+          <a:blip r:embed="rId8">
             <a:duotone>
               <a:prstClr val="black"/>
               <a:schemeClr val="tx2">
@@ -17830,7 +19882,7 @@
             <a:extLst>
               <a:ext uri="{BEBA8EAE-BF5A-486C-A8C5-ECC9F3942E4B}">
                 <a14:imgProps xmlns:a14="http://schemas.microsoft.com/office/drawing/2010/main">
-                  <a14:imgLayer r:embed="rId8">
+                  <a14:imgLayer r:embed="rId9">
                     <a14:imgEffect>
                       <a14:brightnessContrast bright="-40000" contrast="-40000"/>
                     </a14:imgEffect>
@@ -17875,7 +19927,7 @@
           <p:nvPr/>
         </p:nvPicPr>
         <p:blipFill>
-          <a:blip r:embed="rId9">
+          <a:blip r:embed="rId10">
             <a:extLst>
               <a:ext uri="{28A0092B-C50C-407E-A947-70E740481C1C}">
                 <a14:useLocalDpi xmlns:a14="http://schemas.microsoft.com/office/drawing/2010/main" val="0"/>
@@ -18250,7 +20302,7 @@
           <p:nvPr/>
         </p:nvPicPr>
         <p:blipFill rotWithShape="1">
-          <a:blip r:embed="rId4">
+          <a:blip r:embed="rId5">
             <a:grayscl/>
             <a:extLst>
               <a:ext uri="{28A0092B-C50C-407E-A947-70E740481C1C}">
@@ -18290,7 +20342,7 @@
           <p:nvPr/>
         </p:nvPicPr>
         <p:blipFill rotWithShape="1">
-          <a:blip r:embed="rId4">
+          <a:blip r:embed="rId5">
             <a:grayscl/>
             <a:extLst>
               <a:ext uri="{28A0092B-C50C-407E-A947-70E740481C1C}">
@@ -18434,12 +20486,12 @@
           <p:nvPr/>
         </p:nvPicPr>
         <p:blipFill>
-          <a:blip r:embed="rId10" cstate="print">
+          <a:blip r:embed="rId11" cstate="print">
             <a:lum bright="70000" contrast="-70000"/>
             <a:extLst>
               <a:ext uri="{BEBA8EAE-BF5A-486C-A8C5-ECC9F3942E4B}">
                 <a14:imgProps xmlns:a14="http://schemas.microsoft.com/office/drawing/2010/main">
-                  <a14:imgLayer r:embed="rId11">
+                  <a14:imgLayer r:embed="rId12">
                     <a14:imgEffect>
                       <a14:brightnessContrast bright="-20000" contrast="-40000"/>
                     </a14:imgEffect>
@@ -18474,12 +20526,12 @@
           <p:nvPr/>
         </p:nvPicPr>
         <p:blipFill>
-          <a:blip r:embed="rId10" cstate="print">
+          <a:blip r:embed="rId11" cstate="print">
             <a:lum bright="70000" contrast="-70000"/>
             <a:extLst>
               <a:ext uri="{BEBA8EAE-BF5A-486C-A8C5-ECC9F3942E4B}">
                 <a14:imgProps xmlns:a14="http://schemas.microsoft.com/office/drawing/2010/main">
-                  <a14:imgLayer r:embed="rId11">
+                  <a14:imgLayer r:embed="rId12">
                     <a14:imgEffect>
                       <a14:brightnessContrast bright="-20000" contrast="-40000"/>
                     </a14:imgEffect>
@@ -18514,7 +20566,7 @@
           <p:nvPr/>
         </p:nvPicPr>
         <p:blipFill>
-          <a:blip r:embed="rId12">
+          <a:blip r:embed="rId13">
             <a:extLst>
               <a:ext uri="{28A0092B-C50C-407E-A947-70E740481C1C}">
                 <a14:useLocalDpi xmlns:a14="http://schemas.microsoft.com/office/drawing/2010/main" val="0"/>
@@ -18568,7 +20620,7 @@
             <p:nvPr/>
           </p:nvPicPr>
           <p:blipFill>
-            <a:blip r:embed="rId13" cstate="print">
+            <a:blip r:embed="rId14" cstate="print">
               <a:duotone>
                 <a:schemeClr val="accent5">
                   <a:shade val="45000"/>
@@ -18712,7 +20764,7 @@
             <p:nvPr/>
           </p:nvPicPr>
           <p:blipFill>
-            <a:blip r:embed="rId13" cstate="print">
+            <a:blip r:embed="rId14" cstate="print">
               <a:duotone>
                 <a:schemeClr val="accent5">
                   <a:shade val="45000"/>
@@ -21467,7 +23519,7 @@
           <p:nvPr/>
         </p:nvPicPr>
         <p:blipFill>
-          <a:blip r:embed="rId2" cstate="print">
+          <a:blip r:embed="rId3" cstate="print">
             <a:extLst>
               <a:ext uri="{28A0092B-C50C-407E-A947-70E740481C1C}">
                 <a14:useLocalDpi xmlns:a14="http://schemas.microsoft.com/office/drawing/2010/main" val="0"/>
@@ -21705,12 +23757,12 @@
           <p:nvPr/>
         </p:nvPicPr>
         <p:blipFill>
-          <a:blip r:embed="rId3" cstate="print">
+          <a:blip r:embed="rId4" cstate="print">
             <a:biLevel thresh="75000"/>
             <a:extLst>
               <a:ext uri="{BEBA8EAE-BF5A-486C-A8C5-ECC9F3942E4B}">
                 <a14:imgProps xmlns:a14="http://schemas.microsoft.com/office/drawing/2010/main">
-                  <a14:imgLayer r:embed="rId4">
+                  <a14:imgLayer r:embed="rId5">
                     <a14:imgEffect>
                       <a14:brightnessContrast bright="-40000" contrast="-40000"/>
                     </a14:imgEffect>
@@ -21770,7 +23822,7 @@
             <p:nvPr/>
           </p:nvPicPr>
           <p:blipFill>
-            <a:blip r:embed="rId5">
+            <a:blip r:embed="rId6">
               <a:grayscl/>
               <a:extLst>
                 <a:ext uri="{28A0092B-C50C-407E-A947-70E740481C1C}">
@@ -22210,12 +24262,12 @@
           <p:nvPr/>
         </p:nvPicPr>
         <p:blipFill>
-          <a:blip r:embed="rId6">
+          <a:blip r:embed="rId7">
             <a:biLevel thresh="75000"/>
             <a:extLst>
               <a:ext uri="{BEBA8EAE-BF5A-486C-A8C5-ECC9F3942E4B}">
                 <a14:imgProps xmlns:a14="http://schemas.microsoft.com/office/drawing/2010/main">
-                  <a14:imgLayer r:embed="rId7">
+                  <a14:imgLayer r:embed="rId8">
                     <a14:imgEffect>
                       <a14:brightnessContrast bright="-40000" contrast="-40000"/>
                     </a14:imgEffect>
@@ -26185,7 +28237,7 @@
           <p:nvPr/>
         </p:nvPicPr>
         <p:blipFill>
-          <a:blip r:embed="rId2">
+          <a:blip r:embed="rId3">
             <a:extLst>
               <a:ext uri="{28A0092B-C50C-407E-A947-70E740481C1C}">
                 <a14:useLocalDpi xmlns:a14="http://schemas.microsoft.com/office/drawing/2010/main" val="0"/>
@@ -26387,12 +28439,12 @@
             <p:nvPr/>
           </p:nvPicPr>
           <p:blipFill>
-            <a:blip r:embed="rId3">
+            <a:blip r:embed="rId4">
               <a:lum bright="70000" contrast="-70000"/>
               <a:extLst>
                 <a:ext uri="{BEBA8EAE-BF5A-486C-A8C5-ECC9F3942E4B}">
                   <a14:imgProps xmlns:a14="http://schemas.microsoft.com/office/drawing/2010/main">
-                    <a14:imgLayer r:embed="rId4">
+                    <a14:imgLayer r:embed="rId5">
                       <a14:imgEffect>
                         <a14:brightnessContrast bright="-40000" contrast="-40000"/>
                       </a14:imgEffect>
@@ -26503,7 +28555,7 @@
           <p:nvPr/>
         </p:nvPicPr>
         <p:blipFill>
-          <a:blip r:embed="rId5" cstate="print">
+          <a:blip r:embed="rId6" cstate="print">
             <a:extLst>
               <a:ext uri="{28A0092B-C50C-407E-A947-70E740481C1C}">
                 <a14:useLocalDpi xmlns:a14="http://schemas.microsoft.com/office/drawing/2010/main" val="0"/>
@@ -26811,12 +28863,12 @@
             <p:nvPr/>
           </p:nvPicPr>
           <p:blipFill>
-            <a:blip r:embed="rId3">
+            <a:blip r:embed="rId4">
               <a:lum bright="70000" contrast="-70000"/>
               <a:extLst>
                 <a:ext uri="{BEBA8EAE-BF5A-486C-A8C5-ECC9F3942E4B}">
                   <a14:imgProps xmlns:a14="http://schemas.microsoft.com/office/drawing/2010/main">
-                    <a14:imgLayer r:embed="rId4">
+                    <a14:imgLayer r:embed="rId5">
                       <a14:imgEffect>
                         <a14:brightnessContrast bright="-40000" contrast="-40000"/>
                       </a14:imgEffect>
@@ -27064,12 +29116,12 @@
             <p:nvPr/>
           </p:nvPicPr>
           <p:blipFill>
-            <a:blip r:embed="rId3">
+            <a:blip r:embed="rId4">
               <a:lum bright="70000" contrast="-70000"/>
               <a:extLst>
                 <a:ext uri="{BEBA8EAE-BF5A-486C-A8C5-ECC9F3942E4B}">
                   <a14:imgProps xmlns:a14="http://schemas.microsoft.com/office/drawing/2010/main">
-                    <a14:imgLayer r:embed="rId4">
+                    <a14:imgLayer r:embed="rId5">
                       <a14:imgEffect>
                         <a14:brightnessContrast bright="-40000" contrast="-40000"/>
                       </a14:imgEffect>
@@ -27180,7 +29232,7 @@
           <p:nvPr/>
         </p:nvPicPr>
         <p:blipFill>
-          <a:blip r:embed="rId5" cstate="print">
+          <a:blip r:embed="rId6" cstate="print">
             <a:extLst>
               <a:ext uri="{28A0092B-C50C-407E-A947-70E740481C1C}">
                 <a14:useLocalDpi xmlns:a14="http://schemas.microsoft.com/office/drawing/2010/main" val="0"/>
@@ -27235,7 +29287,7 @@
             <p:nvPr/>
           </p:nvPicPr>
           <p:blipFill>
-            <a:blip r:embed="rId6">
+            <a:blip r:embed="rId7">
               <a:grayscl/>
               <a:extLst>
                 <a:ext uri="{28A0092B-C50C-407E-A947-70E740481C1C}">
@@ -27535,7 +29587,7 @@
           <p:nvPr/>
         </p:nvPicPr>
         <p:blipFill>
-          <a:blip r:embed="rId7">
+          <a:blip r:embed="rId8">
             <a:biLevel thresh="25000"/>
             <a:extLst>
               <a:ext uri="{28A0092B-C50C-407E-A947-70E740481C1C}">
@@ -27590,7 +29642,7 @@
             <p:nvPr/>
           </p:nvPicPr>
           <p:blipFill>
-            <a:blip r:embed="rId6">
+            <a:blip r:embed="rId7">
               <a:grayscl/>
               <a:extLst>
                 <a:ext uri="{28A0092B-C50C-407E-A947-70E740481C1C}">
@@ -27890,12 +29942,12 @@
           <p:nvPr/>
         </p:nvPicPr>
         <p:blipFill>
-          <a:blip r:embed="rId8" cstate="print">
+          <a:blip r:embed="rId9" cstate="print">
             <a:biLevel thresh="75000"/>
             <a:extLst>
               <a:ext uri="{BEBA8EAE-BF5A-486C-A8C5-ECC9F3942E4B}">
                 <a14:imgProps xmlns:a14="http://schemas.microsoft.com/office/drawing/2010/main">
-                  <a14:imgLayer r:embed="rId9">
+                  <a14:imgLayer r:embed="rId10">
                     <a14:imgEffect>
                       <a14:brightnessContrast bright="-40000" contrast="-40000"/>
                     </a14:imgEffect>
@@ -27943,12 +29995,12 @@
           </p:nvPr>
         </p:nvPicPr>
         <p:blipFill>
-          <a:blip r:embed="rId8" cstate="print">
+          <a:blip r:embed="rId9" cstate="print">
             <a:biLevel thresh="75000"/>
             <a:extLst>
               <a:ext uri="{BEBA8EAE-BF5A-486C-A8C5-ECC9F3942E4B}">
                 <a14:imgProps xmlns:a14="http://schemas.microsoft.com/office/drawing/2010/main">
-                  <a14:imgLayer r:embed="rId9">
+                  <a14:imgLayer r:embed="rId10">
                     <a14:imgEffect>
                       <a14:brightnessContrast bright="-40000" contrast="-40000"/>
                     </a14:imgEffect>
@@ -29231,12 +31283,12 @@
           <p:nvPr/>
         </p:nvPicPr>
         <p:blipFill>
-          <a:blip r:embed="rId2">
+          <a:blip r:embed="rId3">
             <a:lum bright="70000" contrast="-70000"/>
             <a:extLst>
               <a:ext uri="{BEBA8EAE-BF5A-486C-A8C5-ECC9F3942E4B}">
                 <a14:imgProps xmlns:a14="http://schemas.microsoft.com/office/drawing/2010/main">
-                  <a14:imgLayer r:embed="rId3">
+                  <a14:imgLayer r:embed="rId4">
                     <a14:imgEffect>
                       <a14:artisticPhotocopy/>
                     </a14:imgEffect>
@@ -29892,12 +31944,12 @@
             <p:nvPr/>
           </p:nvPicPr>
           <p:blipFill>
-            <a:blip r:embed="rId2">
+            <a:blip r:embed="rId3">
               <a:lum bright="70000" contrast="-70000"/>
               <a:extLst>
                 <a:ext uri="{BEBA8EAE-BF5A-486C-A8C5-ECC9F3942E4B}">
                   <a14:imgProps xmlns:a14="http://schemas.microsoft.com/office/drawing/2010/main">
-                    <a14:imgLayer r:embed="rId3">
+                    <a14:imgLayer r:embed="rId4">
                       <a14:imgEffect>
                         <a14:brightnessContrast bright="-40000" contrast="-40000"/>
                       </a14:imgEffect>
@@ -30008,7 +32060,7 @@
           <p:nvPr/>
         </p:nvPicPr>
         <p:blipFill>
-          <a:blip r:embed="rId4" cstate="print">
+          <a:blip r:embed="rId5" cstate="print">
             <a:extLst>
               <a:ext uri="{28A0092B-C50C-407E-A947-70E740481C1C}">
                 <a14:useLocalDpi xmlns:a14="http://schemas.microsoft.com/office/drawing/2010/main" val="0"/>
@@ -30316,12 +32368,12 @@
             <p:nvPr/>
           </p:nvPicPr>
           <p:blipFill>
-            <a:blip r:embed="rId2">
+            <a:blip r:embed="rId3">
               <a:lum bright="70000" contrast="-70000"/>
               <a:extLst>
                 <a:ext uri="{BEBA8EAE-BF5A-486C-A8C5-ECC9F3942E4B}">
                   <a14:imgProps xmlns:a14="http://schemas.microsoft.com/office/drawing/2010/main">
-                    <a14:imgLayer r:embed="rId3">
+                    <a14:imgLayer r:embed="rId4">
                       <a14:imgEffect>
                         <a14:brightnessContrast bright="-40000" contrast="-40000"/>
                       </a14:imgEffect>
@@ -30432,7 +32484,7 @@
           <p:nvPr/>
         </p:nvPicPr>
         <p:blipFill>
-          <a:blip r:embed="rId5">
+          <a:blip r:embed="rId6">
             <a:biLevel thresh="25000"/>
             <a:extLst>
               <a:ext uri="{28A0092B-C50C-407E-A947-70E740481C1C}">
@@ -30487,7 +32539,7 @@
             <p:nvPr/>
           </p:nvPicPr>
           <p:blipFill>
-            <a:blip r:embed="rId6">
+            <a:blip r:embed="rId7">
               <a:grayscl/>
               <a:extLst>
                 <a:ext uri="{28A0092B-C50C-407E-A947-70E740481C1C}">
@@ -30787,12 +32839,12 @@
           <p:nvPr/>
         </p:nvPicPr>
         <p:blipFill>
-          <a:blip r:embed="rId7" cstate="print">
+          <a:blip r:embed="rId8" cstate="print">
             <a:biLevel thresh="75000"/>
             <a:extLst>
               <a:ext uri="{BEBA8EAE-BF5A-486C-A8C5-ECC9F3942E4B}">
                 <a14:imgProps xmlns:a14="http://schemas.microsoft.com/office/drawing/2010/main">
-                  <a14:imgLayer r:embed="rId8">
+                  <a14:imgLayer r:embed="rId9">
                     <a14:imgEffect>
                       <a14:brightnessContrast bright="-40000" contrast="-40000"/>
                     </a14:imgEffect>
@@ -30852,7 +32904,7 @@
           <p:nvPr/>
         </p:nvPicPr>
         <p:blipFill>
-          <a:blip r:embed="rId9" cstate="print">
+          <a:blip r:embed="rId10" cstate="print">
             <a:extLst>
               <a:ext uri="{28A0092B-C50C-407E-A947-70E740481C1C}">
                 <a14:useLocalDpi xmlns:a14="http://schemas.microsoft.com/office/drawing/2010/main" val="0"/>
@@ -31106,12 +33158,12 @@
             <p:nvPr/>
           </p:nvPicPr>
           <p:blipFill>
-            <a:blip r:embed="rId2">
+            <a:blip r:embed="rId3">
               <a:biLevel thresh="75000"/>
               <a:extLst>
                 <a:ext uri="{BEBA8EAE-BF5A-486C-A8C5-ECC9F3942E4B}">
                   <a14:imgProps xmlns:a14="http://schemas.microsoft.com/office/drawing/2010/main">
-                    <a14:imgLayer r:embed="rId3">
+                    <a14:imgLayer r:embed="rId4">
                       <a14:imgEffect>
                         <a14:brightnessContrast bright="-40000" contrast="-40000"/>
                       </a14:imgEffect>
@@ -35006,7 +37058,7 @@
           <p:nvPr/>
         </p:nvPicPr>
         <p:blipFill>
-          <a:blip r:embed="rId2" cstate="print">
+          <a:blip r:embed="rId3" cstate="print">
             <a:extLst>
               <a:ext uri="{28A0092B-C50C-407E-A947-70E740481C1C}">
                 <a14:useLocalDpi xmlns:a14="http://schemas.microsoft.com/office/drawing/2010/main" val="0"/>
@@ -35246,17 +37298,7 @@
                   </a:schemeClr>
                 </a:solidFill>
               </a:rPr>
-              <a:t>Storage </a:t>
-            </a:r>
-            <a:r>
-              <a:rPr lang="en-US" dirty="0" smtClean="0">
-                <a:solidFill>
-                  <a:schemeClr val="bg1">
-                    <a:alpha val="99000"/>
-                  </a:schemeClr>
-                </a:solidFill>
-              </a:rPr>
-              <a:t>Account</a:t>
+              <a:t>Storage Account</a:t>
             </a:r>
             <a:endParaRPr lang="en-US" dirty="0">
               <a:solidFill>
@@ -36156,12 +38198,12 @@
             <p:nvPr/>
           </p:nvPicPr>
           <p:blipFill>
-            <a:blip r:embed="rId3">
+            <a:blip r:embed="rId4">
               <a:lum bright="70000" contrast="-70000"/>
               <a:extLst>
                 <a:ext uri="{BEBA8EAE-BF5A-486C-A8C5-ECC9F3942E4B}">
                   <a14:imgProps xmlns:a14="http://schemas.microsoft.com/office/drawing/2010/main">
-                    <a14:imgLayer r:embed="rId4">
+                    <a14:imgLayer r:embed="rId5">
                       <a14:imgEffect>
                         <a14:brightnessContrast bright="-40000" contrast="-40000"/>
                       </a14:imgEffect>
@@ -36286,12 +38328,12 @@
             <p:nvPr/>
           </p:nvPicPr>
           <p:blipFill>
-            <a:blip r:embed="rId3">
+            <a:blip r:embed="rId4">
               <a:lum bright="70000" contrast="-70000"/>
               <a:extLst>
                 <a:ext uri="{BEBA8EAE-BF5A-486C-A8C5-ECC9F3942E4B}">
                   <a14:imgProps xmlns:a14="http://schemas.microsoft.com/office/drawing/2010/main">
-                    <a14:imgLayer r:embed="rId4">
+                    <a14:imgLayer r:embed="rId5">
                       <a14:imgEffect>
                         <a14:brightnessContrast bright="-40000" contrast="-40000"/>
                       </a14:imgEffect>
@@ -39386,13 +41428,6 @@
               </a:rPr>
               <a:t>Storage Account </a:t>
             </a:r>
-            <a:endParaRPr lang="en-US" dirty="0" smtClean="0">
-              <a:solidFill>
-                <a:schemeClr val="bg1">
-                  <a:alpha val="99000"/>
-                </a:schemeClr>
-              </a:solidFill>
-            </a:endParaRPr>
           </a:p>
         </p:txBody>
       </p:sp>
@@ -39405,7 +41440,7 @@
           <p:nvPr/>
         </p:nvPicPr>
         <p:blipFill>
-          <a:blip r:embed="rId2" cstate="print">
+          <a:blip r:embed="rId3" cstate="print">
             <a:extLst>
               <a:ext uri="{28A0092B-C50C-407E-A947-70E740481C1C}">
                 <a14:useLocalDpi xmlns:a14="http://schemas.microsoft.com/office/drawing/2010/main" val="0"/>
@@ -40382,12 +42417,12 @@
             <p:nvPr/>
           </p:nvPicPr>
           <p:blipFill>
-            <a:blip r:embed="rId3">
+            <a:blip r:embed="rId4">
               <a:lum bright="70000" contrast="-70000"/>
               <a:extLst>
                 <a:ext uri="{BEBA8EAE-BF5A-486C-A8C5-ECC9F3942E4B}">
                   <a14:imgProps xmlns:a14="http://schemas.microsoft.com/office/drawing/2010/main">
-                    <a14:imgLayer r:embed="rId4">
+                    <a14:imgLayer r:embed="rId5">
                       <a14:imgEffect>
                         <a14:brightnessContrast bright="-40000" contrast="-40000"/>
                       </a14:imgEffect>
@@ -40512,12 +42547,12 @@
             <p:nvPr/>
           </p:nvPicPr>
           <p:blipFill>
-            <a:blip r:embed="rId3">
+            <a:blip r:embed="rId4">
               <a:lum bright="70000" contrast="-70000"/>
               <a:extLst>
                 <a:ext uri="{BEBA8EAE-BF5A-486C-A8C5-ECC9F3942E4B}">
                   <a14:imgProps xmlns:a14="http://schemas.microsoft.com/office/drawing/2010/main">
-                    <a14:imgLayer r:embed="rId4">
+                    <a14:imgLayer r:embed="rId5">
                       <a14:imgEffect>
                         <a14:brightnessContrast bright="-40000" contrast="-40000"/>
                       </a14:imgEffect>
@@ -40628,7 +42663,7 @@
           <p:nvPr/>
         </p:nvPicPr>
         <p:blipFill>
-          <a:blip r:embed="rId5">
+          <a:blip r:embed="rId6">
             <a:biLevel thresh="25000"/>
             <a:extLst>
               <a:ext uri="{28A0092B-C50C-407E-A947-70E740481C1C}">
@@ -40669,7 +42704,7 @@
           <p:nvPr/>
         </p:nvPicPr>
         <p:blipFill>
-          <a:blip r:embed="rId6" cstate="print">
+          <a:blip r:embed="rId7" cstate="print">
             <a:extLst>
               <a:ext uri="{28A0092B-C50C-407E-A947-70E740481C1C}">
                 <a14:useLocalDpi xmlns:a14="http://schemas.microsoft.com/office/drawing/2010/main" val="0"/>
@@ -40788,12 +42823,12 @@
             <p:nvPr/>
           </p:nvPicPr>
           <p:blipFill>
-            <a:blip r:embed="rId3">
+            <a:blip r:embed="rId4">
               <a:lum bright="70000" contrast="-70000"/>
               <a:extLst>
                 <a:ext uri="{BEBA8EAE-BF5A-486C-A8C5-ECC9F3942E4B}">
                   <a14:imgProps xmlns:a14="http://schemas.microsoft.com/office/drawing/2010/main">
-                    <a14:imgLayer r:embed="rId4">
+                    <a14:imgLayer r:embed="rId5">
                       <a14:imgEffect>
                         <a14:brightnessContrast bright="-40000" contrast="-40000"/>
                       </a14:imgEffect>
@@ -42956,7 +44991,7 @@
             <p:nvPr/>
           </p:nvPicPr>
           <p:blipFill>
-            <a:blip r:embed="rId2">
+            <a:blip r:embed="rId3">
               <a:extLst>
                 <a:ext uri="{28A0092B-C50C-407E-A947-70E740481C1C}">
                   <a14:useLocalDpi xmlns:a14="http://schemas.microsoft.com/office/drawing/2010/main" val="0"/>
@@ -42999,7 +45034,7 @@
             <p:nvPr/>
           </p:nvPicPr>
           <p:blipFill>
-            <a:blip r:embed="rId3" cstate="print">
+            <a:blip r:embed="rId4" cstate="print">
               <a:duotone>
                 <a:prstClr val="black"/>
                 <a:schemeClr val="tx2">
@@ -43010,7 +45045,7 @@
               <a:extLst>
                 <a:ext uri="{BEBA8EAE-BF5A-486C-A8C5-ECC9F3942E4B}">
                   <a14:imgProps xmlns:a14="http://schemas.microsoft.com/office/drawing/2010/main">
-                    <a14:imgLayer r:embed="rId4">
+                    <a14:imgLayer r:embed="rId5">
                       <a14:imgEffect>
                         <a14:brightnessContrast bright="-20000" contrast="-40000"/>
                       </a14:imgEffect>
@@ -43252,9 +45287,6 @@
               </a:rPr>
               <a:t>*  </a:t>
             </a:r>
-            <a:endParaRPr lang="en-US" dirty="0" smtClean="0">
-              <a:latin typeface="Segoe UI Light" pitchFamily="34" charset="0"/>
-            </a:endParaRPr>
           </a:p>
           <a:p>
             <a:pPr marL="460375" lvl="1" indent="0">
@@ -43313,13 +45345,7 @@
               <a:rPr lang="en-US" dirty="0" smtClean="0">
                 <a:latin typeface="Segoe UI Light" pitchFamily="34" charset="0"/>
               </a:rPr>
-              <a:t>Bring other variants at your own </a:t>
-            </a:r>
-            <a:r>
-              <a:rPr lang="en-US" dirty="0" smtClean="0">
-                <a:latin typeface="Segoe UI Light" pitchFamily="34" charset="0"/>
-              </a:rPr>
-              <a:t>risk**</a:t>
+              <a:t>Bring other variants at your own risk**</a:t>
             </a:r>
           </a:p>
         </p:txBody>
@@ -43333,7 +45359,7 @@
           <p:nvPr/>
         </p:nvPicPr>
         <p:blipFill rotWithShape="1">
-          <a:blip r:embed="rId2" cstate="print">
+          <a:blip r:embed="rId3" cstate="print">
             <a:extLst>
               <a:ext uri="{28A0092B-C50C-407E-A947-70E740481C1C}">
                 <a14:useLocalDpi xmlns:a14="http://schemas.microsoft.com/office/drawing/2010/main" val="0"/>
@@ -43389,7 +45415,7 @@
             <p:nvPr/>
           </p:nvPicPr>
           <p:blipFill>
-            <a:blip r:embed="rId3" cstate="print">
+            <a:blip r:embed="rId4" cstate="print">
               <a:extLst>
                 <a:ext uri="{28A0092B-C50C-407E-A947-70E740481C1C}">
                   <a14:useLocalDpi xmlns:a14="http://schemas.microsoft.com/office/drawing/2010/main" val="0"/>
@@ -43446,7 +45472,7 @@
               <p:nvPr/>
             </p:nvPicPr>
             <p:blipFill>
-              <a:blip r:embed="rId4" cstate="print">
+              <a:blip r:embed="rId5" cstate="print">
                 <a:extLst>
                   <a:ext uri="{28A0092B-C50C-407E-A947-70E740481C1C}">
                     <a14:useLocalDpi xmlns:a14="http://schemas.microsoft.com/office/drawing/2010/main" val="0"/>
@@ -43547,7 +45573,7 @@
               </a:spcBef>
               <a:buSzPct val="80000"/>
               <a:buBlip>
-                <a:blip r:embed="rId5"/>
+                <a:blip r:embed="rId6"/>
               </a:buBlip>
             </a:pPr>
             <a:r>
@@ -43597,7 +45623,7 @@
               </a:spcBef>
               <a:buSzPct val="80000"/>
               <a:buBlip>
-                <a:blip r:embed="rId5"/>
+                <a:blip r:embed="rId6"/>
               </a:buBlip>
             </a:pPr>
             <a:r>
@@ -43653,7 +45679,7 @@
           <p:nvPr/>
         </p:nvPicPr>
         <p:blipFill>
-          <a:blip r:embed="rId6">
+          <a:blip r:embed="rId7">
             <a:extLst>
               <a:ext uri="{28A0092B-C50C-407E-A947-70E740481C1C}">
                 <a14:useLocalDpi xmlns:a14="http://schemas.microsoft.com/office/drawing/2010/main" val="0"/>
@@ -43891,43 +45917,26 @@
           <a:p>
             <a:r>
               <a:rPr lang="en-US" sz="3600" dirty="0" smtClean="0"/>
-              <a:t>We will offer both </a:t>
-            </a:r>
-            <a:r>
-              <a:rPr lang="en-US" sz="3600" dirty="0" smtClean="0"/>
-              <a:t>Community</a:t>
+              <a:t>We will offer both Community</a:t>
             </a:r>
           </a:p>
           <a:p>
             <a:r>
               <a:rPr lang="en-US" sz="3600" dirty="0" smtClean="0"/>
-              <a:t>and </a:t>
+              <a:t>and Commercial Distributions </a:t>
             </a:r>
-            <a:r>
-              <a:rPr lang="en-US" sz="3600" dirty="0" smtClean="0"/>
-              <a:t>Commercial Distributions </a:t>
-            </a:r>
-            <a:endParaRPr lang="en-US" sz="3600" dirty="0" smtClean="0"/>
           </a:p>
           <a:p>
             <a:r>
               <a:rPr lang="en-US" sz="3600" dirty="0" smtClean="0"/>
-              <a:t>You </a:t>
-            </a:r>
-            <a:r>
-              <a:rPr lang="en-US" sz="3600" dirty="0" smtClean="0"/>
-              <a:t>will be able to buy support for </a:t>
+              <a:t>You will be able to buy support for </a:t>
             </a:r>
             <a:br>
               <a:rPr lang="en-US" sz="3600" dirty="0" smtClean="0"/>
             </a:br>
             <a:r>
               <a:rPr lang="en-US" sz="3600" dirty="0" smtClean="0"/>
-              <a:t>the commercial </a:t>
-            </a:r>
-            <a:r>
-              <a:rPr lang="en-US" sz="3600" dirty="0" smtClean="0"/>
-              <a:t>distributions (</a:t>
+              <a:t>the commercial distributions (</a:t>
             </a:r>
             <a:r>
               <a:rPr lang="en-US" sz="3600" dirty="0"/>
